--- a/ppt/theBigGreen_draft.pptx
+++ b/ppt/theBigGreen_draft.pptx
@@ -5,46 +5,47 @@
     <p:sldMasterId id="2147483660" r:id="rId1"/>
   </p:sldMasterIdLst>
   <p:notesMasterIdLst>
-    <p:notesMasterId r:id="rId8"/>
+    <p:notesMasterId r:id="rId9"/>
   </p:notesMasterIdLst>
   <p:sldIdLst>
     <p:sldId id="256" r:id="rId2"/>
     <p:sldId id="272" r:id="rId3"/>
     <p:sldId id="257" r:id="rId4"/>
-    <p:sldId id="277" r:id="rId5"/>
-    <p:sldId id="274" r:id="rId6"/>
-    <p:sldId id="266" r:id="rId7"/>
+    <p:sldId id="261" r:id="rId5"/>
+    <p:sldId id="277" r:id="rId6"/>
+    <p:sldId id="274" r:id="rId7"/>
+    <p:sldId id="266" r:id="rId8"/>
   </p:sldIdLst>
   <p:sldSz cx="9144000" cy="5143500" type="screen16x9"/>
   <p:notesSz cx="6858000" cy="9144000"/>
   <p:embeddedFontLst>
     <p:embeddedFont>
       <p:font typeface="Muli" panose="020B0604020202020204" charset="0"/>
-      <p:regular r:id="rId9"/>
-      <p:bold r:id="rId10"/>
-      <p:italic r:id="rId11"/>
-      <p:boldItalic r:id="rId12"/>
+      <p:regular r:id="rId10"/>
+      <p:bold r:id="rId11"/>
+      <p:italic r:id="rId12"/>
+      <p:boldItalic r:id="rId13"/>
     </p:embeddedFont>
     <p:embeddedFont>
       <p:font typeface="Muli Regular" panose="020B0604020202020204" charset="0"/>
-      <p:regular r:id="rId13"/>
-      <p:bold r:id="rId14"/>
-      <p:italic r:id="rId15"/>
-      <p:boldItalic r:id="rId16"/>
+      <p:regular r:id="rId14"/>
+      <p:bold r:id="rId15"/>
+      <p:italic r:id="rId16"/>
+      <p:boldItalic r:id="rId17"/>
     </p:embeddedFont>
     <p:embeddedFont>
       <p:font typeface="Poppins" panose="020B0604020202020204" charset="0"/>
-      <p:regular r:id="rId17"/>
-      <p:bold r:id="rId18"/>
-      <p:italic r:id="rId19"/>
-      <p:boldItalic r:id="rId20"/>
+      <p:regular r:id="rId18"/>
+      <p:bold r:id="rId19"/>
+      <p:italic r:id="rId20"/>
+      <p:boldItalic r:id="rId21"/>
     </p:embeddedFont>
     <p:embeddedFont>
       <p:font typeface="Poppins Light" panose="020B0604020202020204" charset="0"/>
-      <p:regular r:id="rId21"/>
-      <p:bold r:id="rId22"/>
-      <p:italic r:id="rId23"/>
-      <p:boldItalic r:id="rId24"/>
+      <p:regular r:id="rId22"/>
+      <p:bold r:id="rId23"/>
+      <p:italic r:id="rId24"/>
+      <p:boldItalic r:id="rId25"/>
     </p:embeddedFont>
   </p:embeddedFontLst>
   <p:defaultTextStyle>
@@ -276,6 +277,11 @@
       </a:defRPr>
     </a:lvl9pPr>
   </p:defaultTextStyle>
+  <p:extLst>
+    <p:ext uri="{EFAFB233-063F-42B5-8137-9DF3F51BA10A}">
+      <p15:sldGuideLst xmlns:p15="http://schemas.microsoft.com/office/powerpoint/2012/main"/>
+    </p:ext>
+  </p:extLst>
 </p:presentation>
 </file>
 
@@ -1037,6 +1043,110 @@
   <p:cSld>
     <p:spTree>
       <p:nvGrpSpPr>
+        <p:cNvPr id="1" name="Shape 94"/>
+        <p:cNvGrpSpPr/>
+        <p:nvPr/>
+      </p:nvGrpSpPr>
+      <p:grpSpPr>
+        <a:xfrm>
+          <a:off x="0" y="0"/>
+          <a:ext cx="0" cy="0"/>
+          <a:chOff x="0" y="0"/>
+          <a:chExt cx="0" cy="0"/>
+        </a:xfrm>
+      </p:grpSpPr>
+      <p:sp>
+        <p:nvSpPr>
+          <p:cNvPr id="95" name="Google Shape;95;p:notes"/>
+          <p:cNvSpPr>
+            <a:spLocks noGrp="1" noRot="1" noChangeAspect="1"/>
+          </p:cNvSpPr>
+          <p:nvPr>
+            <p:ph type="sldImg" idx="2"/>
+          </p:nvPr>
+        </p:nvSpPr>
+        <p:spPr>
+          <a:xfrm>
+            <a:off x="381000" y="685800"/>
+            <a:ext cx="6096000" cy="3429000"/>
+          </a:xfrm>
+          <a:custGeom>
+            <a:avLst/>
+            <a:gdLst/>
+            <a:ahLst/>
+            <a:cxnLst/>
+            <a:rect l="l" t="t" r="r" b="b"/>
+            <a:pathLst>
+              <a:path w="120000" h="120000" extrusionOk="0">
+                <a:moveTo>
+                  <a:pt x="0" y="0"/>
+                </a:moveTo>
+                <a:lnTo>
+                  <a:pt x="120000" y="0"/>
+                </a:lnTo>
+                <a:lnTo>
+                  <a:pt x="120000" y="120000"/>
+                </a:lnTo>
+                <a:lnTo>
+                  <a:pt x="0" y="120000"/>
+                </a:lnTo>
+                <a:close/>
+              </a:path>
+            </a:pathLst>
+          </a:custGeom>
+        </p:spPr>
+      </p:sp>
+      <p:sp>
+        <p:nvSpPr>
+          <p:cNvPr id="96" name="Google Shape;96;p:notes"/>
+          <p:cNvSpPr txBox="1">
+            <a:spLocks noGrp="1"/>
+          </p:cNvSpPr>
+          <p:nvPr>
+            <p:ph type="body" idx="1"/>
+          </p:nvPr>
+        </p:nvSpPr>
+        <p:spPr>
+          <a:xfrm>
+            <a:off x="685800" y="4343400"/>
+            <a:ext cx="5486400" cy="4114800"/>
+          </a:xfrm>
+          <a:prstGeom prst="rect">
+            <a:avLst/>
+          </a:prstGeom>
+        </p:spPr>
+        <p:txBody>
+          <a:bodyPr spcFirstLastPara="1" wrap="square" lIns="91425" tIns="91425" rIns="91425" bIns="91425" anchor="t" anchorCtr="0">
+            <a:noAutofit/>
+          </a:bodyPr>
+          <a:lstStyle/>
+          <a:p>
+            <a:pPr marL="0" lvl="0" indent="0" algn="l" rtl="0">
+              <a:spcBef>
+                <a:spcPts val="0"/>
+              </a:spcBef>
+              <a:spcAft>
+                <a:spcPts val="0"/>
+              </a:spcAft>
+              <a:buNone/>
+            </a:pPr>
+            <a:endParaRPr/>
+          </a:p>
+        </p:txBody>
+      </p:sp>
+    </p:spTree>
+  </p:cSld>
+  <p:clrMapOvr>
+    <a:masterClrMapping/>
+  </p:clrMapOvr>
+</p:notes>
+</file>
+
+<file path=ppt/notesSlides/notesSlide5.xml><?xml version="1.0" encoding="utf-8"?>
+<p:notes xmlns:a="http://schemas.openxmlformats.org/drawingml/2006/main" xmlns:r="http://schemas.openxmlformats.org/officeDocument/2006/relationships" xmlns:p="http://schemas.openxmlformats.org/presentationml/2006/main" showMasterSp="0" showMasterPhAnim="0">
+  <p:cSld>
+    <p:spTree>
+      <p:nvGrpSpPr>
         <p:cNvPr id="1" name="Shape 289"/>
         <p:cNvGrpSpPr/>
         <p:nvPr/>
@@ -1136,7 +1246,7 @@
 </p:notes>
 </file>
 
-<file path=ppt/notesSlides/notesSlide5.xml><?xml version="1.0" encoding="utf-8"?>
+<file path=ppt/notesSlides/notesSlide6.xml><?xml version="1.0" encoding="utf-8"?>
 <p:notes xmlns:a="http://schemas.openxmlformats.org/drawingml/2006/main" xmlns:r="http://schemas.openxmlformats.org/officeDocument/2006/relationships" xmlns:p="http://schemas.openxmlformats.org/presentationml/2006/main" showMasterSp="0" showMasterPhAnim="0">
   <p:cSld>
     <p:spTree>
@@ -1240,7 +1350,7 @@
 </p:notes>
 </file>
 
-<file path=ppt/notesSlides/notesSlide6.xml><?xml version="1.0" encoding="utf-8"?>
+<file path=ppt/notesSlides/notesSlide7.xml><?xml version="1.0" encoding="utf-8"?>
 <p:notes xmlns:a="http://schemas.openxmlformats.org/drawingml/2006/main" xmlns:r="http://schemas.openxmlformats.org/officeDocument/2006/relationships" xmlns:p="http://schemas.openxmlformats.org/presentationml/2006/main" showMasterSp="0" showMasterPhAnim="0">
   <p:cSld>
     <p:spTree>
@@ -2583,6 +2693,401 @@
 </p:sldLayout>
 </file>
 
+<file path=ppt/slideLayouts/slideLayout6.xml><?xml version="1.0" encoding="utf-8"?>
+<p:sldLayout xmlns:a="http://schemas.openxmlformats.org/drawingml/2006/main" xmlns:r="http://schemas.openxmlformats.org/officeDocument/2006/relationships" xmlns:p="http://schemas.openxmlformats.org/presentationml/2006/main" matchingName="Title + 1 column" type="tx">
+  <p:cSld name="Title + 1 column">
+    <p:spTree>
+      <p:nvGrpSpPr>
+        <p:cNvPr id="1" name="Shape 21"/>
+        <p:cNvGrpSpPr/>
+        <p:nvPr/>
+      </p:nvGrpSpPr>
+      <p:grpSpPr>
+        <a:xfrm>
+          <a:off x="0" y="0"/>
+          <a:ext cx="0" cy="0"/>
+          <a:chOff x="0" y="0"/>
+          <a:chExt cx="0" cy="0"/>
+        </a:xfrm>
+      </p:grpSpPr>
+      <p:pic>
+        <p:nvPicPr>
+          <p:cNvPr id="22" name="Google Shape;22;p5"/>
+          <p:cNvPicPr preferRelativeResize="0"/>
+          <p:nvPr/>
+        </p:nvPicPr>
+        <p:blipFill>
+          <a:blip r:embed="rId2">
+            <a:alphaModFix/>
+          </a:blip>
+          <a:stretch>
+            <a:fillRect/>
+          </a:stretch>
+        </p:blipFill>
+        <p:spPr>
+          <a:xfrm>
+            <a:off x="5289349" y="2301324"/>
+            <a:ext cx="3702249" cy="2686125"/>
+          </a:xfrm>
+          <a:prstGeom prst="rect">
+            <a:avLst/>
+          </a:prstGeom>
+          <a:noFill/>
+          <a:ln>
+            <a:noFill/>
+          </a:ln>
+        </p:spPr>
+      </p:pic>
+      <p:sp>
+        <p:nvSpPr>
+          <p:cNvPr id="23" name="Google Shape;23;p5"/>
+          <p:cNvSpPr txBox="1">
+            <a:spLocks noGrp="1"/>
+          </p:cNvSpPr>
+          <p:nvPr>
+            <p:ph type="title"/>
+          </p:nvPr>
+        </p:nvSpPr>
+        <p:spPr>
+          <a:xfrm>
+            <a:off x="457200" y="1044175"/>
+            <a:ext cx="6300300" cy="857400"/>
+          </a:xfrm>
+          <a:prstGeom prst="rect">
+            <a:avLst/>
+          </a:prstGeom>
+        </p:spPr>
+        <p:txBody>
+          <a:bodyPr spcFirstLastPara="1" wrap="square" lIns="0" tIns="0" rIns="0" bIns="0" anchor="b" anchorCtr="0">
+            <a:noAutofit/>
+          </a:bodyPr>
+          <a:lstStyle>
+            <a:lvl1pPr lvl="0">
+              <a:spcBef>
+                <a:spcPts val="0"/>
+              </a:spcBef>
+              <a:spcAft>
+                <a:spcPts val="0"/>
+              </a:spcAft>
+              <a:buSzPts val="4800"/>
+              <a:buNone/>
+              <a:defRPr/>
+            </a:lvl1pPr>
+            <a:lvl2pPr lvl="1">
+              <a:spcBef>
+                <a:spcPts val="0"/>
+              </a:spcBef>
+              <a:spcAft>
+                <a:spcPts val="0"/>
+              </a:spcAft>
+              <a:buSzPts val="4800"/>
+              <a:buNone/>
+              <a:defRPr/>
+            </a:lvl2pPr>
+            <a:lvl3pPr lvl="2">
+              <a:spcBef>
+                <a:spcPts val="0"/>
+              </a:spcBef>
+              <a:spcAft>
+                <a:spcPts val="0"/>
+              </a:spcAft>
+              <a:buSzPts val="4800"/>
+              <a:buNone/>
+              <a:defRPr/>
+            </a:lvl3pPr>
+            <a:lvl4pPr lvl="3">
+              <a:spcBef>
+                <a:spcPts val="0"/>
+              </a:spcBef>
+              <a:spcAft>
+                <a:spcPts val="0"/>
+              </a:spcAft>
+              <a:buSzPts val="4800"/>
+              <a:buNone/>
+              <a:defRPr/>
+            </a:lvl4pPr>
+            <a:lvl5pPr lvl="4">
+              <a:spcBef>
+                <a:spcPts val="0"/>
+              </a:spcBef>
+              <a:spcAft>
+                <a:spcPts val="0"/>
+              </a:spcAft>
+              <a:buSzPts val="4800"/>
+              <a:buNone/>
+              <a:defRPr/>
+            </a:lvl5pPr>
+            <a:lvl6pPr lvl="5">
+              <a:spcBef>
+                <a:spcPts val="0"/>
+              </a:spcBef>
+              <a:spcAft>
+                <a:spcPts val="0"/>
+              </a:spcAft>
+              <a:buSzPts val="4800"/>
+              <a:buNone/>
+              <a:defRPr/>
+            </a:lvl6pPr>
+            <a:lvl7pPr lvl="6">
+              <a:spcBef>
+                <a:spcPts val="0"/>
+              </a:spcBef>
+              <a:spcAft>
+                <a:spcPts val="0"/>
+              </a:spcAft>
+              <a:buSzPts val="4800"/>
+              <a:buNone/>
+              <a:defRPr/>
+            </a:lvl7pPr>
+            <a:lvl8pPr lvl="7">
+              <a:spcBef>
+                <a:spcPts val="0"/>
+              </a:spcBef>
+              <a:spcAft>
+                <a:spcPts val="0"/>
+              </a:spcAft>
+              <a:buSzPts val="4800"/>
+              <a:buNone/>
+              <a:defRPr/>
+            </a:lvl8pPr>
+            <a:lvl9pPr lvl="8">
+              <a:spcBef>
+                <a:spcPts val="0"/>
+              </a:spcBef>
+              <a:spcAft>
+                <a:spcPts val="0"/>
+              </a:spcAft>
+              <a:buSzPts val="4800"/>
+              <a:buNone/>
+              <a:defRPr/>
+            </a:lvl9pPr>
+          </a:lstStyle>
+          <a:p>
+            <a:endParaRPr/>
+          </a:p>
+        </p:txBody>
+      </p:sp>
+      <p:sp>
+        <p:nvSpPr>
+          <p:cNvPr id="24" name="Google Shape;24;p5"/>
+          <p:cNvSpPr txBox="1">
+            <a:spLocks noGrp="1"/>
+          </p:cNvSpPr>
+          <p:nvPr>
+            <p:ph type="body" idx="1"/>
+          </p:nvPr>
+        </p:nvSpPr>
+        <p:spPr>
+          <a:xfrm>
+            <a:off x="457200" y="2038350"/>
+            <a:ext cx="4929300" cy="1862700"/>
+          </a:xfrm>
+          <a:prstGeom prst="rect">
+            <a:avLst/>
+          </a:prstGeom>
+        </p:spPr>
+        <p:txBody>
+          <a:bodyPr spcFirstLastPara="1" wrap="square" lIns="0" tIns="0" rIns="0" bIns="0" anchor="t" anchorCtr="0">
+            <a:noAutofit/>
+          </a:bodyPr>
+          <a:lstStyle>
+            <a:lvl1pPr marL="457200" lvl="0" indent="-368300">
+              <a:spcBef>
+                <a:spcPts val="600"/>
+              </a:spcBef>
+              <a:spcAft>
+                <a:spcPts val="0"/>
+              </a:spcAft>
+              <a:buSzPts val="2200"/>
+              <a:buChar char="●"/>
+              <a:defRPr/>
+            </a:lvl1pPr>
+            <a:lvl2pPr marL="914400" lvl="1" indent="-368300">
+              <a:spcBef>
+                <a:spcPts val="0"/>
+              </a:spcBef>
+              <a:spcAft>
+                <a:spcPts val="0"/>
+              </a:spcAft>
+              <a:buSzPts val="2200"/>
+              <a:buChar char="○"/>
+              <a:defRPr/>
+            </a:lvl2pPr>
+            <a:lvl3pPr marL="1371600" lvl="2" indent="-368300">
+              <a:spcBef>
+                <a:spcPts val="0"/>
+              </a:spcBef>
+              <a:spcAft>
+                <a:spcPts val="0"/>
+              </a:spcAft>
+              <a:buSzPts val="2200"/>
+              <a:buChar char="■"/>
+              <a:defRPr/>
+            </a:lvl3pPr>
+            <a:lvl4pPr marL="1828800" lvl="3" indent="-368300">
+              <a:spcBef>
+                <a:spcPts val="0"/>
+              </a:spcBef>
+              <a:spcAft>
+                <a:spcPts val="0"/>
+              </a:spcAft>
+              <a:buSzPts val="2200"/>
+              <a:buChar char="●"/>
+              <a:defRPr/>
+            </a:lvl4pPr>
+            <a:lvl5pPr marL="2286000" lvl="4" indent="-368300">
+              <a:spcBef>
+                <a:spcPts val="0"/>
+              </a:spcBef>
+              <a:spcAft>
+                <a:spcPts val="0"/>
+              </a:spcAft>
+              <a:buSzPts val="2200"/>
+              <a:buChar char="○"/>
+              <a:defRPr/>
+            </a:lvl5pPr>
+            <a:lvl6pPr marL="2743200" lvl="5" indent="-368300">
+              <a:spcBef>
+                <a:spcPts val="0"/>
+              </a:spcBef>
+              <a:spcAft>
+                <a:spcPts val="0"/>
+              </a:spcAft>
+              <a:buSzPts val="2200"/>
+              <a:buChar char="■"/>
+              <a:defRPr/>
+            </a:lvl6pPr>
+            <a:lvl7pPr marL="3200400" lvl="6" indent="-368300">
+              <a:spcBef>
+                <a:spcPts val="0"/>
+              </a:spcBef>
+              <a:spcAft>
+                <a:spcPts val="0"/>
+              </a:spcAft>
+              <a:buSzPts val="2200"/>
+              <a:buChar char="●"/>
+              <a:defRPr/>
+            </a:lvl7pPr>
+            <a:lvl8pPr marL="3657600" lvl="7" indent="-368300">
+              <a:spcBef>
+                <a:spcPts val="0"/>
+              </a:spcBef>
+              <a:spcAft>
+                <a:spcPts val="0"/>
+              </a:spcAft>
+              <a:buSzPts val="2200"/>
+              <a:buChar char="○"/>
+              <a:defRPr/>
+            </a:lvl8pPr>
+            <a:lvl9pPr marL="4114800" lvl="8" indent="-368300">
+              <a:spcBef>
+                <a:spcPts val="0"/>
+              </a:spcBef>
+              <a:spcAft>
+                <a:spcPts val="0"/>
+              </a:spcAft>
+              <a:buSzPts val="2200"/>
+              <a:buChar char="■"/>
+              <a:defRPr/>
+            </a:lvl9pPr>
+          </a:lstStyle>
+          <a:p>
+            <a:endParaRPr/>
+          </a:p>
+        </p:txBody>
+      </p:sp>
+      <p:sp>
+        <p:nvSpPr>
+          <p:cNvPr id="25" name="Google Shape;25;p5"/>
+          <p:cNvSpPr txBox="1">
+            <a:spLocks noGrp="1"/>
+          </p:cNvSpPr>
+          <p:nvPr>
+            <p:ph type="sldNum" idx="12"/>
+          </p:nvPr>
+        </p:nvSpPr>
+        <p:spPr>
+          <a:xfrm>
+            <a:off x="8480584" y="4749851"/>
+            <a:ext cx="548700" cy="393600"/>
+          </a:xfrm>
+          <a:prstGeom prst="rect">
+            <a:avLst/>
+          </a:prstGeom>
+        </p:spPr>
+        <p:txBody>
+          <a:bodyPr spcFirstLastPara="1" wrap="square" lIns="0" tIns="0" rIns="0" bIns="0" anchor="ctr" anchorCtr="0">
+            <a:noAutofit/>
+          </a:bodyPr>
+          <a:lstStyle>
+            <a:lvl1pPr lvl="0">
+              <a:buNone/>
+              <a:defRPr/>
+            </a:lvl1pPr>
+            <a:lvl2pPr lvl="1">
+              <a:buNone/>
+              <a:defRPr/>
+            </a:lvl2pPr>
+            <a:lvl3pPr lvl="2">
+              <a:buNone/>
+              <a:defRPr/>
+            </a:lvl3pPr>
+            <a:lvl4pPr lvl="3">
+              <a:buNone/>
+              <a:defRPr/>
+            </a:lvl4pPr>
+            <a:lvl5pPr lvl="4">
+              <a:buNone/>
+              <a:defRPr/>
+            </a:lvl5pPr>
+            <a:lvl6pPr lvl="5">
+              <a:buNone/>
+              <a:defRPr/>
+            </a:lvl6pPr>
+            <a:lvl7pPr lvl="6">
+              <a:buNone/>
+              <a:defRPr/>
+            </a:lvl7pPr>
+            <a:lvl8pPr lvl="7">
+              <a:buNone/>
+              <a:defRPr/>
+            </a:lvl8pPr>
+            <a:lvl9pPr lvl="8">
+              <a:buNone/>
+              <a:defRPr/>
+            </a:lvl9pPr>
+          </a:lstStyle>
+          <a:p>
+            <a:pPr marL="0" lvl="0" indent="0" algn="r" rtl="0">
+              <a:spcBef>
+                <a:spcPts val="0"/>
+              </a:spcBef>
+              <a:spcAft>
+                <a:spcPts val="0"/>
+              </a:spcAft>
+              <a:buNone/>
+            </a:pPr>
+            <a:fld id="{00000000-1234-1234-1234-123412341234}" type="slidenum">
+              <a:rPr lang="en"/>
+              <a:t>‹#›</a:t>
+            </a:fld>
+            <a:endParaRPr/>
+          </a:p>
+        </p:txBody>
+      </p:sp>
+    </p:spTree>
+    <p:extLst>
+      <p:ext uri="{BB962C8B-B14F-4D97-AF65-F5344CB8AC3E}">
+        <p14:creationId xmlns:p14="http://schemas.microsoft.com/office/powerpoint/2010/main" val="3719835495"/>
+      </p:ext>
+    </p:extLst>
+  </p:cSld>
+  <p:clrMapOvr>
+    <a:masterClrMapping/>
+  </p:clrMapOvr>
+</p:sldLayout>
+</file>
+
 <file path=ppt/slideMasters/slideMaster1.xml><?xml version="1.0" encoding="utf-8"?>
 <p:sldMaster xmlns:a="http://schemas.openxmlformats.org/drawingml/2006/main" xmlns:r="http://schemas.openxmlformats.org/officeDocument/2006/relationships" xmlns:p="http://schemas.openxmlformats.org/presentationml/2006/main">
   <p:cSld name="simple-light">
@@ -3281,6 +3786,7 @@
     <p:sldLayoutId id="2147483655" r:id="rId3"/>
     <p:sldLayoutId id="2147483657" r:id="rId4"/>
     <p:sldLayoutId id="2147483659" r:id="rId5"/>
+    <p:sldLayoutId id="2147483661" r:id="rId6"/>
   </p:sldLayoutIdLst>
   <p:transition>
     <p:fade thruBlk="1"/>
@@ -4238,6 +4744,271 @@
               <a:t>Motivation</a:t>
             </a:r>
             <a:endParaRPr sz="3600" dirty="0"/>
+          </a:p>
+        </p:txBody>
+      </p:sp>
+      <p:sp>
+        <p:nvSpPr>
+          <p:cNvPr id="8" name="Google Shape;99;p19">
+            <a:extLst>
+              <a:ext uri="{FF2B5EF4-FFF2-40B4-BE49-F238E27FC236}">
+                <a16:creationId xmlns:a16="http://schemas.microsoft.com/office/drawing/2014/main" id="{1F8BFEF4-7393-454E-B56B-F4EB1028CED4}"/>
+              </a:ext>
+            </a:extLst>
+          </p:cNvPr>
+          <p:cNvSpPr txBox="1">
+            <a:spLocks/>
+          </p:cNvSpPr>
+          <p:nvPr/>
+        </p:nvSpPr>
+        <p:spPr>
+          <a:xfrm>
+            <a:off x="329609" y="1244452"/>
+            <a:ext cx="5794099" cy="1862700"/>
+          </a:xfrm>
+          <a:prstGeom prst="rect">
+            <a:avLst/>
+          </a:prstGeom>
+          <a:noFill/>
+          <a:ln>
+            <a:noFill/>
+          </a:ln>
+        </p:spPr>
+        <p:txBody>
+          <a:bodyPr spcFirstLastPara="1" wrap="square" lIns="0" tIns="0" rIns="0" bIns="0" anchor="t" anchorCtr="0">
+            <a:noAutofit/>
+          </a:bodyPr>
+          <a:lstStyle>
+            <a:defPPr marR="0" lvl="0" algn="l" rtl="0">
+              <a:lnSpc>
+                <a:spcPct val="100000"/>
+              </a:lnSpc>
+              <a:spcBef>
+                <a:spcPts val="0"/>
+              </a:spcBef>
+              <a:spcAft>
+                <a:spcPts val="0"/>
+              </a:spcAft>
+            </a:defPPr>
+            <a:lvl1pPr marL="457200" indent="-368300">
+              <a:lnSpc>
+                <a:spcPct val="115000"/>
+              </a:lnSpc>
+              <a:spcBef>
+                <a:spcPts val="600"/>
+              </a:spcBef>
+              <a:buClr>
+                <a:schemeClr val="dk2"/>
+              </a:buClr>
+              <a:buSzPts val="2200"/>
+              <a:buFont typeface="Muli Regular"/>
+              <a:buChar char="●"/>
+              <a:defRPr sz="2200">
+                <a:solidFill>
+                  <a:schemeClr val="dk1"/>
+                </a:solidFill>
+                <a:latin typeface="Muli Regular"/>
+                <a:ea typeface="Muli Regular"/>
+                <a:cs typeface="Muli Regular"/>
+                <a:sym typeface="Muli Regular"/>
+              </a:defRPr>
+            </a:lvl1pPr>
+            <a:lvl2pPr marL="914400" indent="-368300">
+              <a:lnSpc>
+                <a:spcPct val="115000"/>
+              </a:lnSpc>
+              <a:buClr>
+                <a:schemeClr val="accent5"/>
+              </a:buClr>
+              <a:buSzPts val="2200"/>
+              <a:buFont typeface="Muli Regular"/>
+              <a:buChar char="○"/>
+              <a:defRPr sz="2200">
+                <a:solidFill>
+                  <a:schemeClr val="dk1"/>
+                </a:solidFill>
+                <a:latin typeface="Muli Regular"/>
+                <a:ea typeface="Muli Regular"/>
+                <a:cs typeface="Muli Regular"/>
+                <a:sym typeface="Muli Regular"/>
+              </a:defRPr>
+            </a:lvl2pPr>
+            <a:lvl3pPr marL="1371600" indent="-368300">
+              <a:lnSpc>
+                <a:spcPct val="115000"/>
+              </a:lnSpc>
+              <a:buClr>
+                <a:schemeClr val="accent4"/>
+              </a:buClr>
+              <a:buSzPts val="2200"/>
+              <a:buFont typeface="Muli Regular"/>
+              <a:buChar char="■"/>
+              <a:defRPr sz="2200">
+                <a:solidFill>
+                  <a:schemeClr val="dk1"/>
+                </a:solidFill>
+                <a:latin typeface="Muli Regular"/>
+                <a:ea typeface="Muli Regular"/>
+                <a:cs typeface="Muli Regular"/>
+                <a:sym typeface="Muli Regular"/>
+              </a:defRPr>
+            </a:lvl3pPr>
+            <a:lvl4pPr marL="1828800" indent="-368300">
+              <a:lnSpc>
+                <a:spcPct val="115000"/>
+              </a:lnSpc>
+              <a:buClr>
+                <a:schemeClr val="dk1"/>
+              </a:buClr>
+              <a:buSzPts val="2200"/>
+              <a:buFont typeface="Muli Regular"/>
+              <a:buChar char="●"/>
+              <a:defRPr sz="2200">
+                <a:solidFill>
+                  <a:schemeClr val="dk1"/>
+                </a:solidFill>
+                <a:latin typeface="Muli Regular"/>
+                <a:ea typeface="Muli Regular"/>
+                <a:cs typeface="Muli Regular"/>
+                <a:sym typeface="Muli Regular"/>
+              </a:defRPr>
+            </a:lvl4pPr>
+            <a:lvl5pPr marL="2286000" indent="-368300">
+              <a:lnSpc>
+                <a:spcPct val="115000"/>
+              </a:lnSpc>
+              <a:buClr>
+                <a:schemeClr val="dk1"/>
+              </a:buClr>
+              <a:buSzPts val="2200"/>
+              <a:buFont typeface="Muli Regular"/>
+              <a:buChar char="○"/>
+              <a:defRPr sz="2200">
+                <a:solidFill>
+                  <a:schemeClr val="dk1"/>
+                </a:solidFill>
+                <a:latin typeface="Muli Regular"/>
+                <a:ea typeface="Muli Regular"/>
+                <a:cs typeface="Muli Regular"/>
+                <a:sym typeface="Muli Regular"/>
+              </a:defRPr>
+            </a:lvl5pPr>
+            <a:lvl6pPr marL="2743200" indent="-368300">
+              <a:lnSpc>
+                <a:spcPct val="115000"/>
+              </a:lnSpc>
+              <a:buClr>
+                <a:schemeClr val="dk1"/>
+              </a:buClr>
+              <a:buSzPts val="2200"/>
+              <a:buFont typeface="Muli Regular"/>
+              <a:buChar char="■"/>
+              <a:defRPr sz="2200">
+                <a:solidFill>
+                  <a:schemeClr val="dk1"/>
+                </a:solidFill>
+                <a:latin typeface="Muli Regular"/>
+                <a:ea typeface="Muli Regular"/>
+                <a:cs typeface="Muli Regular"/>
+                <a:sym typeface="Muli Regular"/>
+              </a:defRPr>
+            </a:lvl6pPr>
+            <a:lvl7pPr marL="3200400" indent="-368300">
+              <a:lnSpc>
+                <a:spcPct val="115000"/>
+              </a:lnSpc>
+              <a:buClr>
+                <a:schemeClr val="dk1"/>
+              </a:buClr>
+              <a:buSzPts val="2200"/>
+              <a:buFont typeface="Muli Regular"/>
+              <a:buChar char="●"/>
+              <a:defRPr sz="2200">
+                <a:solidFill>
+                  <a:schemeClr val="dk1"/>
+                </a:solidFill>
+                <a:latin typeface="Muli Regular"/>
+                <a:ea typeface="Muli Regular"/>
+                <a:cs typeface="Muli Regular"/>
+                <a:sym typeface="Muli Regular"/>
+              </a:defRPr>
+            </a:lvl7pPr>
+            <a:lvl8pPr marL="3657600" indent="-368300">
+              <a:lnSpc>
+                <a:spcPct val="115000"/>
+              </a:lnSpc>
+              <a:buClr>
+                <a:schemeClr val="dk1"/>
+              </a:buClr>
+              <a:buSzPts val="2200"/>
+              <a:buFont typeface="Muli Regular"/>
+              <a:buChar char="○"/>
+              <a:defRPr sz="2200">
+                <a:solidFill>
+                  <a:schemeClr val="dk1"/>
+                </a:solidFill>
+                <a:latin typeface="Muli Regular"/>
+                <a:ea typeface="Muli Regular"/>
+                <a:cs typeface="Muli Regular"/>
+                <a:sym typeface="Muli Regular"/>
+              </a:defRPr>
+            </a:lvl8pPr>
+            <a:lvl9pPr marL="4114800" indent="-368300">
+              <a:lnSpc>
+                <a:spcPct val="115000"/>
+              </a:lnSpc>
+              <a:buClr>
+                <a:schemeClr val="dk1"/>
+              </a:buClr>
+              <a:buSzPts val="2200"/>
+              <a:buFont typeface="Muli Regular"/>
+              <a:buChar char="■"/>
+              <a:defRPr sz="2200">
+                <a:solidFill>
+                  <a:schemeClr val="dk1"/>
+                </a:solidFill>
+                <a:latin typeface="Muli Regular"/>
+                <a:ea typeface="Muli Regular"/>
+                <a:cs typeface="Muli Regular"/>
+                <a:sym typeface="Muli Regular"/>
+              </a:defRPr>
+            </a:lvl9pPr>
+          </a:lstStyle>
+          <a:p>
+            <a:pPr marL="88900" indent="0">
+              <a:buNone/>
+            </a:pPr>
+            <a:r>
+              <a:rPr lang="en-US" sz="1400" dirty="0"/>
+              <a:t>The impacts of climate change are global in scope and unprecedented in scale. Global climate change has already resulted in a wide range of impacts across every region. </a:t>
+            </a:r>
+          </a:p>
+          <a:p>
+            <a:pPr marL="88900" indent="0">
+              <a:buNone/>
+            </a:pPr>
+            <a:endParaRPr lang="en-US" sz="1400" dirty="0"/>
+          </a:p>
+          <a:p>
+            <a:r>
+              <a:rPr lang="en-US" sz="1400" dirty="0"/>
+              <a:t>Relationship between greenhouse emission and temperature</a:t>
+            </a:r>
+          </a:p>
+          <a:p>
+            <a:r>
+              <a:rPr lang="en-US" sz="1400" dirty="0"/>
+              <a:t>Changes in C02 emissions across US from 1990 to 2018</a:t>
+            </a:r>
+          </a:p>
+          <a:p>
+            <a:r>
+              <a:rPr lang="en-US" sz="1400" dirty="0"/>
+              <a:t> Air quality vs emissions</a:t>
+            </a:r>
+          </a:p>
+          <a:p>
+            <a:endParaRPr lang="en-US" sz="1400" dirty="0"/>
           </a:p>
         </p:txBody>
       </p:sp>
@@ -5842,7 +6613,7 @@
         <p:spPr>
           <a:xfrm>
             <a:off x="200004" y="4066936"/>
-            <a:ext cx="1024639" cy="430887"/>
+            <a:ext cx="942887" cy="400110"/>
           </a:xfrm>
           <a:prstGeom prst="rect">
             <a:avLst/>
@@ -5856,13 +6627,13 @@
           <a:lstStyle/>
           <a:p>
             <a:r>
-              <a:rPr lang="en-US" sz="1100" dirty="0"/>
+              <a:rPr lang="en-US" sz="1000" dirty="0"/>
               <a:t>csv files:</a:t>
             </a:r>
           </a:p>
           <a:p>
             <a:r>
-              <a:rPr lang="en-US" sz="1100" dirty="0"/>
+              <a:rPr lang="en-US" sz="1000" dirty="0"/>
               <a:t>EPA website </a:t>
             </a:r>
           </a:p>
@@ -5883,7 +6654,7 @@
         <p:spPr>
           <a:xfrm>
             <a:off x="1590420" y="2772572"/>
-            <a:ext cx="1510350" cy="769441"/>
+            <a:ext cx="1268296" cy="646331"/>
           </a:xfrm>
           <a:prstGeom prst="rect">
             <a:avLst/>
@@ -5897,25 +6668,25 @@
           <a:lstStyle/>
           <a:p>
             <a:r>
-              <a:rPr lang="en-US" sz="1100" dirty="0"/>
+              <a:rPr lang="en-US" sz="900" dirty="0"/>
               <a:t>Data manipulation,</a:t>
             </a:r>
           </a:p>
           <a:p>
             <a:r>
-              <a:rPr lang="en-US" sz="1100" dirty="0"/>
+              <a:rPr lang="en-US" sz="900" dirty="0"/>
               <a:t>cleaning and mining.</a:t>
             </a:r>
           </a:p>
           <a:p>
             <a:r>
-              <a:rPr lang="en-US" sz="1100" dirty="0"/>
+              <a:rPr lang="en-US" sz="900" dirty="0"/>
               <a:t>Statistical analysis</a:t>
             </a:r>
           </a:p>
           <a:p>
             <a:r>
-              <a:rPr lang="en-US" sz="1100" dirty="0"/>
+              <a:rPr lang="en-US" sz="900" dirty="0"/>
               <a:t>Database connection</a:t>
             </a:r>
           </a:p>
@@ -5936,7 +6707,7 @@
         <p:spPr>
           <a:xfrm>
             <a:off x="3653406" y="592982"/>
-            <a:ext cx="1234633" cy="430887"/>
+            <a:ext cx="1132041" cy="400110"/>
           </a:xfrm>
           <a:prstGeom prst="rect">
             <a:avLst/>
@@ -5950,13 +6721,13 @@
           <a:lstStyle/>
           <a:p>
             <a:r>
-              <a:rPr lang="en-US" sz="1100" dirty="0"/>
+              <a:rPr lang="en-US" sz="1000" dirty="0"/>
               <a:t>SQL database in</a:t>
             </a:r>
           </a:p>
           <a:p>
             <a:r>
-              <a:rPr lang="en-US" sz="1100" dirty="0"/>
+              <a:rPr lang="en-US" sz="1000" dirty="0"/>
               <a:t>Postgres server</a:t>
             </a:r>
           </a:p>
@@ -5977,7 +6748,7 @@
         <p:spPr>
           <a:xfrm>
             <a:off x="3731080" y="4751262"/>
-            <a:ext cx="2424792" cy="430887"/>
+            <a:ext cx="2424792" cy="400110"/>
           </a:xfrm>
           <a:prstGeom prst="rect">
             <a:avLst/>
@@ -5991,13 +6762,13 @@
           <a:lstStyle/>
           <a:p>
             <a:r>
-              <a:rPr lang="en-US" sz="1100" dirty="0"/>
+              <a:rPr lang="en-US" sz="1000" dirty="0"/>
               <a:t>Web application framework</a:t>
             </a:r>
           </a:p>
           <a:p>
             <a:r>
-              <a:rPr lang="en-US" sz="1100" dirty="0"/>
+              <a:rPr lang="en-US" sz="1000" dirty="0"/>
               <a:t>JSON API</a:t>
             </a:r>
           </a:p>
@@ -6018,7 +6789,7 @@
         <p:spPr>
           <a:xfrm>
             <a:off x="6474463" y="4389087"/>
-            <a:ext cx="2021707" cy="430887"/>
+            <a:ext cx="1850186" cy="400110"/>
           </a:xfrm>
           <a:prstGeom prst="rect">
             <a:avLst/>
@@ -6032,23 +6803,28 @@
           <a:lstStyle/>
           <a:p>
             <a:r>
-              <a:rPr lang="en-US" sz="1100" dirty="0"/>
+              <a:rPr lang="en-US" sz="1000" dirty="0"/>
               <a:t>Json API reader, </a:t>
             </a:r>
             <a:r>
-              <a:rPr lang="en-US" sz="1100" dirty="0" err="1"/>
+              <a:rPr lang="en-US" sz="1000" dirty="0" err="1"/>
               <a:t>JQuery</a:t>
             </a:r>
             <a:r>
-              <a:rPr lang="en-US" sz="1100" dirty="0"/>
+              <a:rPr lang="en-US" sz="1000" dirty="0"/>
               <a:t>, D3,</a:t>
             </a:r>
           </a:p>
           <a:p>
             <a:r>
-              <a:rPr lang="en-US" sz="1100" dirty="0"/>
-              <a:t>leaflet</a:t>
+              <a:rPr lang="en-US" sz="1000" dirty="0"/>
+              <a:t>Leaflet. </a:t>
             </a:r>
+            <a:r>
+              <a:rPr lang="en-US" sz="1000" dirty="0" err="1"/>
+              <a:t>plotly</a:t>
+            </a:r>
+            <a:endParaRPr lang="en-US" sz="1000" dirty="0"/>
           </a:p>
         </p:txBody>
       </p:sp>
@@ -6067,7 +6843,7 @@
         <p:spPr>
           <a:xfrm>
             <a:off x="6633016" y="274333"/>
-            <a:ext cx="1322798" cy="261610"/>
+            <a:ext cx="1178528" cy="246221"/>
           </a:xfrm>
           <a:prstGeom prst="rect">
             <a:avLst/>
@@ -6081,7 +6857,7 @@
           <a:lstStyle/>
           <a:p>
             <a:r>
-              <a:rPr lang="en-US" sz="1100" dirty="0"/>
+              <a:rPr lang="en-US" sz="1000" dirty="0"/>
               <a:t>Web visualization</a:t>
             </a:r>
           </a:p>
@@ -6096,6 +6872,494 @@
 </file>
 
 <file path=ppt/slides/slide4.xml><?xml version="1.0" encoding="utf-8"?>
+<p:sld xmlns:a="http://schemas.openxmlformats.org/drawingml/2006/main" xmlns:r="http://schemas.openxmlformats.org/officeDocument/2006/relationships" xmlns:p="http://schemas.openxmlformats.org/presentationml/2006/main">
+  <p:cSld>
+    <p:spTree>
+      <p:nvGrpSpPr>
+        <p:cNvPr id="1" name="Shape 97"/>
+        <p:cNvGrpSpPr/>
+        <p:nvPr/>
+      </p:nvGrpSpPr>
+      <p:grpSpPr>
+        <a:xfrm>
+          <a:off x="0" y="0"/>
+          <a:ext cx="0" cy="0"/>
+          <a:chOff x="0" y="0"/>
+          <a:chExt cx="0" cy="0"/>
+        </a:xfrm>
+      </p:grpSpPr>
+      <p:sp>
+        <p:nvSpPr>
+          <p:cNvPr id="99" name="Google Shape;99;p19"/>
+          <p:cNvSpPr txBox="1">
+            <a:spLocks noGrp="1"/>
+          </p:cNvSpPr>
+          <p:nvPr>
+            <p:ph type="body" idx="1"/>
+          </p:nvPr>
+        </p:nvSpPr>
+        <p:spPr>
+          <a:xfrm>
+            <a:off x="457201" y="2004452"/>
+            <a:ext cx="4873256" cy="1862700"/>
+          </a:xfrm>
+          <a:prstGeom prst="rect">
+            <a:avLst/>
+          </a:prstGeom>
+        </p:spPr>
+        <p:txBody>
+          <a:bodyPr spcFirstLastPara="1" wrap="square" lIns="0" tIns="0" rIns="0" bIns="0" anchor="t" anchorCtr="0">
+            <a:noAutofit/>
+          </a:bodyPr>
+          <a:lstStyle/>
+          <a:p>
+            <a:pPr marL="457200" lvl="0" indent="-368300" algn="l" rtl="0">
+              <a:spcBef>
+                <a:spcPts val="0"/>
+              </a:spcBef>
+              <a:spcAft>
+                <a:spcPts val="0"/>
+              </a:spcAft>
+              <a:buSzPts val="2200"/>
+              <a:buChar char="●"/>
+            </a:pPr>
+            <a:r>
+              <a:rPr lang="en-US" sz="1400" dirty="0"/>
+              <a:t>Data typically comes from multiple transaction systems (in our case, websites)</a:t>
+            </a:r>
+          </a:p>
+          <a:p>
+            <a:pPr marL="457200" lvl="0" indent="-368300" algn="l" rtl="0">
+              <a:spcBef>
+                <a:spcPts val="0"/>
+              </a:spcBef>
+              <a:spcAft>
+                <a:spcPts val="0"/>
+              </a:spcAft>
+              <a:buSzPts val="2200"/>
+              <a:buChar char="●"/>
+            </a:pPr>
+            <a:r>
+              <a:rPr lang="en-US" sz="1400" dirty="0"/>
+              <a:t>Data is already cleaned, including bridging common attributes across those systems/sources, allowing for easy joins</a:t>
+            </a:r>
+            <a:endParaRPr sz="1400" dirty="0"/>
+          </a:p>
+          <a:p>
+            <a:pPr marL="457200" lvl="0" indent="-368300" algn="l" rtl="0">
+              <a:spcBef>
+                <a:spcPts val="0"/>
+              </a:spcBef>
+              <a:spcAft>
+                <a:spcPts val="0"/>
+              </a:spcAft>
+              <a:buSzPts val="2200"/>
+              <a:buChar char="●"/>
+            </a:pPr>
+            <a:r>
+              <a:rPr lang="en-US" sz="1400" dirty="0"/>
+              <a:t>Data is at the atomic level, giving the analyst the most flexibility  possible to do different roll-ups and joins</a:t>
+            </a:r>
+            <a:r>
+              <a:rPr lang="en" sz="1400" dirty="0"/>
+              <a:t>. </a:t>
+            </a:r>
+            <a:endParaRPr sz="1400" dirty="0"/>
+          </a:p>
+        </p:txBody>
+      </p:sp>
+      <p:sp>
+        <p:nvSpPr>
+          <p:cNvPr id="100" name="Google Shape;100;p19"/>
+          <p:cNvSpPr txBox="1">
+            <a:spLocks noGrp="1"/>
+          </p:cNvSpPr>
+          <p:nvPr>
+            <p:ph type="sldNum" idx="12"/>
+          </p:nvPr>
+        </p:nvSpPr>
+        <p:spPr>
+          <a:xfrm>
+            <a:off x="8480584" y="4749851"/>
+            <a:ext cx="548700" cy="393600"/>
+          </a:xfrm>
+          <a:prstGeom prst="rect">
+            <a:avLst/>
+          </a:prstGeom>
+        </p:spPr>
+        <p:txBody>
+          <a:bodyPr spcFirstLastPara="1" wrap="square" lIns="0" tIns="0" rIns="0" bIns="0" anchor="ctr" anchorCtr="0">
+            <a:noAutofit/>
+          </a:bodyPr>
+          <a:lstStyle/>
+          <a:p>
+            <a:pPr marL="0" lvl="0" indent="0" algn="r" rtl="0">
+              <a:spcBef>
+                <a:spcPts val="0"/>
+              </a:spcBef>
+              <a:spcAft>
+                <a:spcPts val="0"/>
+              </a:spcAft>
+              <a:buNone/>
+            </a:pPr>
+            <a:fld id="{00000000-1234-1234-1234-123412341234}" type="slidenum">
+              <a:rPr lang="en"/>
+              <a:t>4</a:t>
+            </a:fld>
+            <a:endParaRPr/>
+          </a:p>
+        </p:txBody>
+      </p:sp>
+      <p:sp>
+        <p:nvSpPr>
+          <p:cNvPr id="7" name="Google Shape;70;p15">
+            <a:extLst>
+              <a:ext uri="{FF2B5EF4-FFF2-40B4-BE49-F238E27FC236}">
+                <a16:creationId xmlns:a16="http://schemas.microsoft.com/office/drawing/2014/main" id="{D55F58F6-A73C-4622-9FB8-8B2A7251C0FC}"/>
+              </a:ext>
+            </a:extLst>
+          </p:cNvPr>
+          <p:cNvSpPr txBox="1">
+            <a:spLocks noGrp="1"/>
+          </p:cNvSpPr>
+          <p:nvPr>
+            <p:ph type="title"/>
+          </p:nvPr>
+        </p:nvSpPr>
+        <p:spPr>
+          <a:xfrm>
+            <a:off x="457200" y="282175"/>
+            <a:ext cx="6300300" cy="857400"/>
+          </a:xfrm>
+          <a:prstGeom prst="rect">
+            <a:avLst/>
+          </a:prstGeom>
+        </p:spPr>
+        <p:txBody>
+          <a:bodyPr spcFirstLastPara="1" wrap="square" lIns="0" tIns="0" rIns="0" bIns="0" anchor="t" anchorCtr="0">
+            <a:noAutofit/>
+          </a:bodyPr>
+          <a:lstStyle/>
+          <a:p>
+            <a:pPr marL="0" lvl="0" indent="0" algn="l" rtl="0">
+              <a:spcBef>
+                <a:spcPts val="0"/>
+              </a:spcBef>
+              <a:spcAft>
+                <a:spcPts val="0"/>
+              </a:spcAft>
+              <a:buNone/>
+            </a:pPr>
+            <a:r>
+              <a:rPr lang="en-US" sz="3600" dirty="0"/>
+              <a:t>Database</a:t>
+            </a:r>
+            <a:endParaRPr sz="3600" dirty="0"/>
+          </a:p>
+        </p:txBody>
+      </p:sp>
+      <p:sp>
+        <p:nvSpPr>
+          <p:cNvPr id="8" name="Google Shape;99;p19">
+            <a:extLst>
+              <a:ext uri="{FF2B5EF4-FFF2-40B4-BE49-F238E27FC236}">
+                <a16:creationId xmlns:a16="http://schemas.microsoft.com/office/drawing/2014/main" id="{F003D84F-479E-48F1-985E-9E08A904D82C}"/>
+              </a:ext>
+            </a:extLst>
+          </p:cNvPr>
+          <p:cNvSpPr txBox="1">
+            <a:spLocks/>
+          </p:cNvSpPr>
+          <p:nvPr/>
+        </p:nvSpPr>
+        <p:spPr>
+          <a:xfrm>
+            <a:off x="457199" y="1047123"/>
+            <a:ext cx="8023385" cy="857400"/>
+          </a:xfrm>
+          <a:prstGeom prst="rect">
+            <a:avLst/>
+          </a:prstGeom>
+          <a:noFill/>
+          <a:ln>
+            <a:noFill/>
+          </a:ln>
+        </p:spPr>
+        <p:txBody>
+          <a:bodyPr spcFirstLastPara="1" wrap="square" lIns="0" tIns="0" rIns="0" bIns="0" anchor="t" anchorCtr="0">
+            <a:noAutofit/>
+          </a:bodyPr>
+          <a:lstStyle>
+            <a:defPPr marR="0" lvl="0" algn="l" rtl="0">
+              <a:lnSpc>
+                <a:spcPct val="100000"/>
+              </a:lnSpc>
+              <a:spcBef>
+                <a:spcPts val="0"/>
+              </a:spcBef>
+              <a:spcAft>
+                <a:spcPts val="0"/>
+              </a:spcAft>
+            </a:defPPr>
+            <a:lvl1pPr marL="457200" marR="0" lvl="0" indent="-368300" algn="l" rtl="0">
+              <a:lnSpc>
+                <a:spcPct val="115000"/>
+              </a:lnSpc>
+              <a:spcBef>
+                <a:spcPts val="600"/>
+              </a:spcBef>
+              <a:spcAft>
+                <a:spcPts val="0"/>
+              </a:spcAft>
+              <a:buClr>
+                <a:schemeClr val="dk2"/>
+              </a:buClr>
+              <a:buSzPts val="2200"/>
+              <a:buFont typeface="Muli Regular"/>
+              <a:buChar char="●"/>
+              <a:defRPr sz="2200" b="0" i="0" u="none" strike="noStrike" cap="none">
+                <a:solidFill>
+                  <a:schemeClr val="dk1"/>
+                </a:solidFill>
+                <a:latin typeface="Muli Regular"/>
+                <a:ea typeface="Muli Regular"/>
+                <a:cs typeface="Muli Regular"/>
+                <a:sym typeface="Muli Regular"/>
+              </a:defRPr>
+            </a:lvl1pPr>
+            <a:lvl2pPr marL="914400" marR="0" lvl="1" indent="-368300" algn="l" rtl="0">
+              <a:lnSpc>
+                <a:spcPct val="115000"/>
+              </a:lnSpc>
+              <a:spcBef>
+                <a:spcPts val="0"/>
+              </a:spcBef>
+              <a:spcAft>
+                <a:spcPts val="0"/>
+              </a:spcAft>
+              <a:buClr>
+                <a:schemeClr val="accent5"/>
+              </a:buClr>
+              <a:buSzPts val="2200"/>
+              <a:buFont typeface="Muli Regular"/>
+              <a:buChar char="○"/>
+              <a:defRPr sz="2200" b="0" i="0" u="none" strike="noStrike" cap="none">
+                <a:solidFill>
+                  <a:schemeClr val="dk1"/>
+                </a:solidFill>
+                <a:latin typeface="Muli Regular"/>
+                <a:ea typeface="Muli Regular"/>
+                <a:cs typeface="Muli Regular"/>
+                <a:sym typeface="Muli Regular"/>
+              </a:defRPr>
+            </a:lvl2pPr>
+            <a:lvl3pPr marL="1371600" marR="0" lvl="2" indent="-368300" algn="l" rtl="0">
+              <a:lnSpc>
+                <a:spcPct val="115000"/>
+              </a:lnSpc>
+              <a:spcBef>
+                <a:spcPts val="0"/>
+              </a:spcBef>
+              <a:spcAft>
+                <a:spcPts val="0"/>
+              </a:spcAft>
+              <a:buClr>
+                <a:schemeClr val="accent4"/>
+              </a:buClr>
+              <a:buSzPts val="2200"/>
+              <a:buFont typeface="Muli Regular"/>
+              <a:buChar char="■"/>
+              <a:defRPr sz="2200" b="0" i="0" u="none" strike="noStrike" cap="none">
+                <a:solidFill>
+                  <a:schemeClr val="dk1"/>
+                </a:solidFill>
+                <a:latin typeface="Muli Regular"/>
+                <a:ea typeface="Muli Regular"/>
+                <a:cs typeface="Muli Regular"/>
+                <a:sym typeface="Muli Regular"/>
+              </a:defRPr>
+            </a:lvl3pPr>
+            <a:lvl4pPr marL="1828800" marR="0" lvl="3" indent="-368300" algn="l" rtl="0">
+              <a:lnSpc>
+                <a:spcPct val="115000"/>
+              </a:lnSpc>
+              <a:spcBef>
+                <a:spcPts val="0"/>
+              </a:spcBef>
+              <a:spcAft>
+                <a:spcPts val="0"/>
+              </a:spcAft>
+              <a:buClr>
+                <a:schemeClr val="dk1"/>
+              </a:buClr>
+              <a:buSzPts val="2200"/>
+              <a:buFont typeface="Muli Regular"/>
+              <a:buChar char="●"/>
+              <a:defRPr sz="2200" b="0" i="0" u="none" strike="noStrike" cap="none">
+                <a:solidFill>
+                  <a:schemeClr val="dk1"/>
+                </a:solidFill>
+                <a:latin typeface="Muli Regular"/>
+                <a:ea typeface="Muli Regular"/>
+                <a:cs typeface="Muli Regular"/>
+                <a:sym typeface="Muli Regular"/>
+              </a:defRPr>
+            </a:lvl4pPr>
+            <a:lvl5pPr marL="2286000" marR="0" lvl="4" indent="-368300" algn="l" rtl="0">
+              <a:lnSpc>
+                <a:spcPct val="115000"/>
+              </a:lnSpc>
+              <a:spcBef>
+                <a:spcPts val="0"/>
+              </a:spcBef>
+              <a:spcAft>
+                <a:spcPts val="0"/>
+              </a:spcAft>
+              <a:buClr>
+                <a:schemeClr val="dk1"/>
+              </a:buClr>
+              <a:buSzPts val="2200"/>
+              <a:buFont typeface="Muli Regular"/>
+              <a:buChar char="○"/>
+              <a:defRPr sz="2200" b="0" i="0" u="none" strike="noStrike" cap="none">
+                <a:solidFill>
+                  <a:schemeClr val="dk1"/>
+                </a:solidFill>
+                <a:latin typeface="Muli Regular"/>
+                <a:ea typeface="Muli Regular"/>
+                <a:cs typeface="Muli Regular"/>
+                <a:sym typeface="Muli Regular"/>
+              </a:defRPr>
+            </a:lvl5pPr>
+            <a:lvl6pPr marL="2743200" marR="0" lvl="5" indent="-368300" algn="l" rtl="0">
+              <a:lnSpc>
+                <a:spcPct val="115000"/>
+              </a:lnSpc>
+              <a:spcBef>
+                <a:spcPts val="0"/>
+              </a:spcBef>
+              <a:spcAft>
+                <a:spcPts val="0"/>
+              </a:spcAft>
+              <a:buClr>
+                <a:schemeClr val="dk1"/>
+              </a:buClr>
+              <a:buSzPts val="2200"/>
+              <a:buFont typeface="Muli Regular"/>
+              <a:buChar char="■"/>
+              <a:defRPr sz="2200" b="0" i="0" u="none" strike="noStrike" cap="none">
+                <a:solidFill>
+                  <a:schemeClr val="dk1"/>
+                </a:solidFill>
+                <a:latin typeface="Muli Regular"/>
+                <a:ea typeface="Muli Regular"/>
+                <a:cs typeface="Muli Regular"/>
+                <a:sym typeface="Muli Regular"/>
+              </a:defRPr>
+            </a:lvl6pPr>
+            <a:lvl7pPr marL="3200400" marR="0" lvl="6" indent="-368300" algn="l" rtl="0">
+              <a:lnSpc>
+                <a:spcPct val="115000"/>
+              </a:lnSpc>
+              <a:spcBef>
+                <a:spcPts val="0"/>
+              </a:spcBef>
+              <a:spcAft>
+                <a:spcPts val="0"/>
+              </a:spcAft>
+              <a:buClr>
+                <a:schemeClr val="dk1"/>
+              </a:buClr>
+              <a:buSzPts val="2200"/>
+              <a:buFont typeface="Muli Regular"/>
+              <a:buChar char="●"/>
+              <a:defRPr sz="2200" b="0" i="0" u="none" strike="noStrike" cap="none">
+                <a:solidFill>
+                  <a:schemeClr val="dk1"/>
+                </a:solidFill>
+                <a:latin typeface="Muli Regular"/>
+                <a:ea typeface="Muli Regular"/>
+                <a:cs typeface="Muli Regular"/>
+                <a:sym typeface="Muli Regular"/>
+              </a:defRPr>
+            </a:lvl7pPr>
+            <a:lvl8pPr marL="3657600" marR="0" lvl="7" indent="-368300" algn="l" rtl="0">
+              <a:lnSpc>
+                <a:spcPct val="115000"/>
+              </a:lnSpc>
+              <a:spcBef>
+                <a:spcPts val="0"/>
+              </a:spcBef>
+              <a:spcAft>
+                <a:spcPts val="0"/>
+              </a:spcAft>
+              <a:buClr>
+                <a:schemeClr val="dk1"/>
+              </a:buClr>
+              <a:buSzPts val="2200"/>
+              <a:buFont typeface="Muli Regular"/>
+              <a:buChar char="○"/>
+              <a:defRPr sz="2200" b="0" i="0" u="none" strike="noStrike" cap="none">
+                <a:solidFill>
+                  <a:schemeClr val="dk1"/>
+                </a:solidFill>
+                <a:latin typeface="Muli Regular"/>
+                <a:ea typeface="Muli Regular"/>
+                <a:cs typeface="Muli Regular"/>
+                <a:sym typeface="Muli Regular"/>
+              </a:defRPr>
+            </a:lvl8pPr>
+            <a:lvl9pPr marL="4114800" marR="0" lvl="8" indent="-368300" algn="l" rtl="0">
+              <a:lnSpc>
+                <a:spcPct val="115000"/>
+              </a:lnSpc>
+              <a:spcBef>
+                <a:spcPts val="0"/>
+              </a:spcBef>
+              <a:spcAft>
+                <a:spcPts val="0"/>
+              </a:spcAft>
+              <a:buClr>
+                <a:schemeClr val="dk1"/>
+              </a:buClr>
+              <a:buSzPts val="2200"/>
+              <a:buFont typeface="Muli Regular"/>
+              <a:buChar char="■"/>
+              <a:defRPr sz="2200" b="0" i="0" u="none" strike="noStrike" cap="none">
+                <a:solidFill>
+                  <a:schemeClr val="dk1"/>
+                </a:solidFill>
+                <a:latin typeface="Muli Regular"/>
+                <a:ea typeface="Muli Regular"/>
+                <a:cs typeface="Muli Regular"/>
+                <a:sym typeface="Muli Regular"/>
+              </a:defRPr>
+            </a:lvl9pPr>
+          </a:lstStyle>
+          <a:p>
+            <a:pPr marL="88900" indent="0">
+              <a:spcBef>
+                <a:spcPts val="0"/>
+              </a:spcBef>
+              <a:buFont typeface="Muli Regular"/>
+              <a:buNone/>
+            </a:pPr>
+            <a:r>
+              <a:rPr lang="en-US" sz="1400" dirty="0"/>
+              <a:t>We decided to use and operational data store (ODS) model to combine data from multiple databases.</a:t>
+            </a:r>
+          </a:p>
+        </p:txBody>
+      </p:sp>
+    </p:spTree>
+  </p:cSld>
+  <p:clrMapOvr>
+    <a:masterClrMapping/>
+  </p:clrMapOvr>
+</p:sld>
+</file>
+
+<file path=ppt/slides/slide5.xml><?xml version="1.0" encoding="utf-8"?>
 <p:sld xmlns:a="http://schemas.openxmlformats.org/drawingml/2006/main" xmlns:r="http://schemas.openxmlformats.org/officeDocument/2006/relationships" xmlns:p="http://schemas.openxmlformats.org/presentationml/2006/main">
   <p:cSld>
     <p:bg>
@@ -6651,7 +7915,7 @@
             </a:pPr>
             <a:fld id="{00000000-1234-1234-1234-123412341234}" type="slidenum">
               <a:rPr lang="en"/>
-              <a:t>4</a:t>
+              <a:t>5</a:t>
             </a:fld>
             <a:endParaRPr/>
           </a:p>
@@ -6741,7 +8005,7 @@
 </p:sld>
 </file>
 
-<file path=ppt/slides/slide5.xml><?xml version="1.0" encoding="utf-8"?>
+<file path=ppt/slides/slide6.xml><?xml version="1.0" encoding="utf-8"?>
 <p:sld xmlns:a="http://schemas.openxmlformats.org/drawingml/2006/main" xmlns:r="http://schemas.openxmlformats.org/officeDocument/2006/relationships" xmlns:p="http://schemas.openxmlformats.org/presentationml/2006/main">
   <p:cSld>
     <p:spTree>
@@ -6794,7 +8058,7 @@
             </a:pPr>
             <a:fld id="{00000000-1234-1234-1234-123412341234}" type="slidenum">
               <a:rPr lang="en"/>
-              <a:t>5</a:t>
+              <a:t>6</a:t>
             </a:fld>
             <a:endParaRPr/>
           </a:p>
@@ -7005,6 +8269,241 @@
           </a:p>
         </p:txBody>
       </p:sp>
+      <p:sp>
+        <p:nvSpPr>
+          <p:cNvPr id="4" name="Google Shape;99;p19">
+            <a:extLst>
+              <a:ext uri="{FF2B5EF4-FFF2-40B4-BE49-F238E27FC236}">
+                <a16:creationId xmlns:a16="http://schemas.microsoft.com/office/drawing/2014/main" id="{3F67BE25-5C81-47B4-955F-EE10EADA769F}"/>
+              </a:ext>
+            </a:extLst>
+          </p:cNvPr>
+          <p:cNvSpPr txBox="1">
+            <a:spLocks/>
+          </p:cNvSpPr>
+          <p:nvPr/>
+        </p:nvSpPr>
+        <p:spPr>
+          <a:xfrm>
+            <a:off x="329609" y="1244452"/>
+            <a:ext cx="5794099" cy="1862700"/>
+          </a:xfrm>
+          <a:prstGeom prst="rect">
+            <a:avLst/>
+          </a:prstGeom>
+          <a:noFill/>
+          <a:ln>
+            <a:noFill/>
+          </a:ln>
+        </p:spPr>
+        <p:txBody>
+          <a:bodyPr spcFirstLastPara="1" wrap="square" lIns="0" tIns="0" rIns="0" bIns="0" anchor="t" anchorCtr="0">
+            <a:noAutofit/>
+          </a:bodyPr>
+          <a:lstStyle>
+            <a:defPPr marR="0" lvl="0" algn="l" rtl="0">
+              <a:lnSpc>
+                <a:spcPct val="100000"/>
+              </a:lnSpc>
+              <a:spcBef>
+                <a:spcPts val="0"/>
+              </a:spcBef>
+              <a:spcAft>
+                <a:spcPts val="0"/>
+              </a:spcAft>
+            </a:defPPr>
+            <a:lvl1pPr marL="457200" indent="-368300">
+              <a:lnSpc>
+                <a:spcPct val="115000"/>
+              </a:lnSpc>
+              <a:spcBef>
+                <a:spcPts val="600"/>
+              </a:spcBef>
+              <a:buClr>
+                <a:schemeClr val="dk2"/>
+              </a:buClr>
+              <a:buSzPts val="2200"/>
+              <a:buFont typeface="Muli Regular"/>
+              <a:buChar char="●"/>
+              <a:defRPr sz="2200">
+                <a:solidFill>
+                  <a:schemeClr val="dk1"/>
+                </a:solidFill>
+                <a:latin typeface="Muli Regular"/>
+                <a:ea typeface="Muli Regular"/>
+                <a:cs typeface="Muli Regular"/>
+                <a:sym typeface="Muli Regular"/>
+              </a:defRPr>
+            </a:lvl1pPr>
+            <a:lvl2pPr marL="914400" indent="-368300">
+              <a:lnSpc>
+                <a:spcPct val="115000"/>
+              </a:lnSpc>
+              <a:buClr>
+                <a:schemeClr val="accent5"/>
+              </a:buClr>
+              <a:buSzPts val="2200"/>
+              <a:buFont typeface="Muli Regular"/>
+              <a:buChar char="○"/>
+              <a:defRPr sz="2200">
+                <a:solidFill>
+                  <a:schemeClr val="dk1"/>
+                </a:solidFill>
+                <a:latin typeface="Muli Regular"/>
+                <a:ea typeface="Muli Regular"/>
+                <a:cs typeface="Muli Regular"/>
+                <a:sym typeface="Muli Regular"/>
+              </a:defRPr>
+            </a:lvl2pPr>
+            <a:lvl3pPr marL="1371600" indent="-368300">
+              <a:lnSpc>
+                <a:spcPct val="115000"/>
+              </a:lnSpc>
+              <a:buClr>
+                <a:schemeClr val="accent4"/>
+              </a:buClr>
+              <a:buSzPts val="2200"/>
+              <a:buFont typeface="Muli Regular"/>
+              <a:buChar char="■"/>
+              <a:defRPr sz="2200">
+                <a:solidFill>
+                  <a:schemeClr val="dk1"/>
+                </a:solidFill>
+                <a:latin typeface="Muli Regular"/>
+                <a:ea typeface="Muli Regular"/>
+                <a:cs typeface="Muli Regular"/>
+                <a:sym typeface="Muli Regular"/>
+              </a:defRPr>
+            </a:lvl3pPr>
+            <a:lvl4pPr marL="1828800" indent="-368300">
+              <a:lnSpc>
+                <a:spcPct val="115000"/>
+              </a:lnSpc>
+              <a:buClr>
+                <a:schemeClr val="dk1"/>
+              </a:buClr>
+              <a:buSzPts val="2200"/>
+              <a:buFont typeface="Muli Regular"/>
+              <a:buChar char="●"/>
+              <a:defRPr sz="2200">
+                <a:solidFill>
+                  <a:schemeClr val="dk1"/>
+                </a:solidFill>
+                <a:latin typeface="Muli Regular"/>
+                <a:ea typeface="Muli Regular"/>
+                <a:cs typeface="Muli Regular"/>
+                <a:sym typeface="Muli Regular"/>
+              </a:defRPr>
+            </a:lvl4pPr>
+            <a:lvl5pPr marL="2286000" indent="-368300">
+              <a:lnSpc>
+                <a:spcPct val="115000"/>
+              </a:lnSpc>
+              <a:buClr>
+                <a:schemeClr val="dk1"/>
+              </a:buClr>
+              <a:buSzPts val="2200"/>
+              <a:buFont typeface="Muli Regular"/>
+              <a:buChar char="○"/>
+              <a:defRPr sz="2200">
+                <a:solidFill>
+                  <a:schemeClr val="dk1"/>
+                </a:solidFill>
+                <a:latin typeface="Muli Regular"/>
+                <a:ea typeface="Muli Regular"/>
+                <a:cs typeface="Muli Regular"/>
+                <a:sym typeface="Muli Regular"/>
+              </a:defRPr>
+            </a:lvl5pPr>
+            <a:lvl6pPr marL="2743200" indent="-368300">
+              <a:lnSpc>
+                <a:spcPct val="115000"/>
+              </a:lnSpc>
+              <a:buClr>
+                <a:schemeClr val="dk1"/>
+              </a:buClr>
+              <a:buSzPts val="2200"/>
+              <a:buFont typeface="Muli Regular"/>
+              <a:buChar char="■"/>
+              <a:defRPr sz="2200">
+                <a:solidFill>
+                  <a:schemeClr val="dk1"/>
+                </a:solidFill>
+                <a:latin typeface="Muli Regular"/>
+                <a:ea typeface="Muli Regular"/>
+                <a:cs typeface="Muli Regular"/>
+                <a:sym typeface="Muli Regular"/>
+              </a:defRPr>
+            </a:lvl6pPr>
+            <a:lvl7pPr marL="3200400" indent="-368300">
+              <a:lnSpc>
+                <a:spcPct val="115000"/>
+              </a:lnSpc>
+              <a:buClr>
+                <a:schemeClr val="dk1"/>
+              </a:buClr>
+              <a:buSzPts val="2200"/>
+              <a:buFont typeface="Muli Regular"/>
+              <a:buChar char="●"/>
+              <a:defRPr sz="2200">
+                <a:solidFill>
+                  <a:schemeClr val="dk1"/>
+                </a:solidFill>
+                <a:latin typeface="Muli Regular"/>
+                <a:ea typeface="Muli Regular"/>
+                <a:cs typeface="Muli Regular"/>
+                <a:sym typeface="Muli Regular"/>
+              </a:defRPr>
+            </a:lvl7pPr>
+            <a:lvl8pPr marL="3657600" indent="-368300">
+              <a:lnSpc>
+                <a:spcPct val="115000"/>
+              </a:lnSpc>
+              <a:buClr>
+                <a:schemeClr val="dk1"/>
+              </a:buClr>
+              <a:buSzPts val="2200"/>
+              <a:buFont typeface="Muli Regular"/>
+              <a:buChar char="○"/>
+              <a:defRPr sz="2200">
+                <a:solidFill>
+                  <a:schemeClr val="dk1"/>
+                </a:solidFill>
+                <a:latin typeface="Muli Regular"/>
+                <a:ea typeface="Muli Regular"/>
+                <a:cs typeface="Muli Regular"/>
+                <a:sym typeface="Muli Regular"/>
+              </a:defRPr>
+            </a:lvl8pPr>
+            <a:lvl9pPr marL="4114800" indent="-368300">
+              <a:lnSpc>
+                <a:spcPct val="115000"/>
+              </a:lnSpc>
+              <a:buClr>
+                <a:schemeClr val="dk1"/>
+              </a:buClr>
+              <a:buSzPts val="2200"/>
+              <a:buFont typeface="Muli Regular"/>
+              <a:buChar char="■"/>
+              <a:defRPr sz="2200">
+                <a:solidFill>
+                  <a:schemeClr val="dk1"/>
+                </a:solidFill>
+                <a:latin typeface="Muli Regular"/>
+                <a:ea typeface="Muli Regular"/>
+                <a:cs typeface="Muli Regular"/>
+                <a:sym typeface="Muli Regular"/>
+              </a:defRPr>
+            </a:lvl9pPr>
+          </a:lstStyle>
+          <a:p>
+            <a:r>
+              <a:rPr lang="en-US" sz="1400" dirty="0"/>
+              <a:t>More dashboards!!!</a:t>
+            </a:r>
+          </a:p>
+        </p:txBody>
+      </p:sp>
     </p:spTree>
   </p:cSld>
   <p:clrMapOvr>
@@ -7013,7 +8512,7 @@
 </p:sld>
 </file>
 
-<file path=ppt/slides/slide6.xml><?xml version="1.0" encoding="utf-8"?>
+<file path=ppt/slides/slide7.xml><?xml version="1.0" encoding="utf-8"?>
 <p:sld xmlns:a="http://schemas.openxmlformats.org/drawingml/2006/main" xmlns:r="http://schemas.openxmlformats.org/officeDocument/2006/relationships" xmlns:p="http://schemas.openxmlformats.org/presentationml/2006/main">
   <p:cSld>
     <p:bg>
@@ -7129,7 +8628,7 @@
             </a:pPr>
             <a:fld id="{00000000-1234-1234-1234-123412341234}" type="slidenum">
               <a:rPr lang="en"/>
-              <a:t>6</a:t>
+              <a:t>7</a:t>
             </a:fld>
             <a:endParaRPr/>
           </a:p>

--- a/ppt/theBigGreen_draft.pptx
+++ b/ppt/theBigGreen_draft.pptx
@@ -8285,7 +8285,7 @@
         </p:nvSpPr>
         <p:spPr>
           <a:xfrm>
-            <a:off x="329609" y="1244452"/>
+            <a:off x="290280" y="1244452"/>
             <a:ext cx="5794099" cy="1862700"/>
           </a:xfrm>
           <a:prstGeom prst="rect">
@@ -8499,8 +8499,70 @@
           <a:p>
             <a:r>
               <a:rPr lang="en-US" sz="1400" dirty="0"/>
+              <a:t>More data!!!</a:t>
+            </a:r>
+          </a:p>
+          <a:p>
+            <a:pPr lvl="1"/>
+            <a:r>
+              <a:rPr lang="en-US" sz="1400" dirty="0"/>
+              <a:t>We would like to continue the analysis over the next few years to see the trends, and how policy made now affects them</a:t>
+            </a:r>
+          </a:p>
+          <a:p>
+            <a:r>
+              <a:rPr lang="en-US" sz="1400" dirty="0"/>
               <a:t>More dashboards!!!</a:t>
             </a:r>
+          </a:p>
+          <a:p>
+            <a:pPr lvl="1"/>
+            <a:r>
+              <a:rPr lang="en-US" sz="1400" dirty="0"/>
+              <a:t>Trending analysis for AQI by state over time</a:t>
+            </a:r>
+          </a:p>
+          <a:p>
+            <a:pPr lvl="1"/>
+            <a:r>
+              <a:rPr lang="en-US" sz="1400" dirty="0"/>
+              <a:t>facility emissions trends over time by energy source, and are they getting more efficient or are they being retired?</a:t>
+            </a:r>
+          </a:p>
+          <a:p>
+            <a:r>
+              <a:rPr lang="en-US" sz="1400" dirty="0"/>
+              <a:t>More stats!!!</a:t>
+            </a:r>
+          </a:p>
+          <a:p>
+            <a:pPr lvl="1"/>
+            <a:r>
+              <a:rPr lang="en-US" sz="1400" dirty="0"/>
+              <a:t>Is the change in air quality significant?</a:t>
+            </a:r>
+          </a:p>
+          <a:p>
+            <a:pPr lvl="1"/>
+            <a:r>
+              <a:rPr lang="en-US" sz="1400" dirty="0"/>
+              <a:t>If so, what are the significant factors?</a:t>
+            </a:r>
+          </a:p>
+          <a:p>
+            <a:pPr lvl="2"/>
+            <a:r>
+              <a:rPr lang="en-US" sz="1400" dirty="0"/>
+              <a:t>Change in energy source?</a:t>
+            </a:r>
+          </a:p>
+          <a:p>
+            <a:pPr lvl="2"/>
+            <a:r>
+              <a:rPr lang="en-US" sz="1400"/>
+              <a:t>Diminishing energy source?</a:t>
+            </a:r>
+            <a:endParaRPr lang="en-US" sz="1400" dirty="0"/>
           </a:p>
         </p:txBody>
       </p:sp>

--- a/ppt/theBigGreen_draft.pptx
+++ b/ppt/theBigGreen_draft.pptx
@@ -14,10 +14,10 @@
     <p:sldId id="261" r:id="rId5"/>
     <p:sldId id="277" r:id="rId6"/>
     <p:sldId id="274" r:id="rId7"/>
-    <p:sldId id="266" r:id="rId8"/>
+    <p:sldId id="278" r:id="rId8"/>
   </p:sldIdLst>
   <p:sldSz cx="9144000" cy="5143500" type="screen16x9"/>
-  <p:notesSz cx="6858000" cy="9144000"/>
+  <p:notesSz cx="7010400" cy="9296400"/>
   <p:embeddedFontLst>
     <p:embeddedFont>
       <p:font typeface="Muli" panose="020B0604020202020204" charset="0"/>
@@ -319,8 +319,8 @@
         </p:nvSpPr>
         <p:spPr>
           <a:xfrm>
-            <a:off x="381175" y="685800"/>
-            <a:ext cx="6096300" cy="3429000"/>
+            <a:off x="406400" y="696913"/>
+            <a:ext cx="6197600" cy="3486150"/>
           </a:xfrm>
           <a:custGeom>
             <a:avLst/>
@@ -370,8 +370,8 @@
         </p:nvSpPr>
         <p:spPr>
           <a:xfrm>
-            <a:off x="685800" y="4343400"/>
-            <a:ext cx="5486400" cy="4114800"/>
+            <a:off x="701040" y="4415790"/>
+            <a:ext cx="5608320" cy="4183380"/>
           </a:xfrm>
           <a:prstGeom prst="rect">
             <a:avLst/>
@@ -382,7 +382,7 @@
           </a:ln>
         </p:spPr>
         <p:txBody>
-          <a:bodyPr spcFirstLastPara="1" wrap="square" lIns="91425" tIns="91425" rIns="91425" bIns="91425" anchor="t" anchorCtr="0">
+          <a:bodyPr spcFirstLastPara="1" wrap="square" lIns="93162" tIns="93162" rIns="93162" bIns="93162" anchor="t" anchorCtr="0">
             <a:noAutofit/>
           </a:bodyPr>
           <a:lstStyle>
@@ -755,8 +755,8 @@
         </p:nvSpPr>
         <p:spPr>
           <a:xfrm>
-            <a:off x="381000" y="685800"/>
-            <a:ext cx="6096000" cy="3429000"/>
+            <a:off x="406400" y="696913"/>
+            <a:ext cx="6197600" cy="3486150"/>
           </a:xfrm>
           <a:custGeom>
             <a:avLst/>
@@ -796,26 +796,20 @@
         </p:nvSpPr>
         <p:spPr>
           <a:xfrm>
-            <a:off x="685800" y="4343400"/>
-            <a:ext cx="5486400" cy="4114800"/>
+            <a:off x="701040" y="4415790"/>
+            <a:ext cx="5608320" cy="4183380"/>
           </a:xfrm>
           <a:prstGeom prst="rect">
             <a:avLst/>
           </a:prstGeom>
         </p:spPr>
         <p:txBody>
-          <a:bodyPr spcFirstLastPara="1" wrap="square" lIns="91425" tIns="91425" rIns="91425" bIns="91425" anchor="t" anchorCtr="0">
+          <a:bodyPr spcFirstLastPara="1" wrap="square" lIns="93162" tIns="93162" rIns="93162" bIns="93162" anchor="t" anchorCtr="0">
             <a:noAutofit/>
           </a:bodyPr>
           <a:lstStyle/>
           <a:p>
-            <a:pPr marL="0" lvl="0" indent="0" algn="l" rtl="0">
-              <a:spcBef>
-                <a:spcPts val="0"/>
-              </a:spcBef>
-              <a:spcAft>
-                <a:spcPts val="0"/>
-              </a:spcAft>
+            <a:pPr marL="0" indent="0">
               <a:buNone/>
             </a:pPr>
             <a:endParaRPr/>
@@ -859,8 +853,8 @@
         </p:nvSpPr>
         <p:spPr>
           <a:xfrm>
-            <a:off x="381000" y="685800"/>
-            <a:ext cx="6096000" cy="3429000"/>
+            <a:off x="406400" y="696913"/>
+            <a:ext cx="6197600" cy="3486150"/>
           </a:xfrm>
           <a:custGeom>
             <a:avLst/>
@@ -900,26 +894,20 @@
         </p:nvSpPr>
         <p:spPr>
           <a:xfrm>
-            <a:off x="685800" y="4343400"/>
-            <a:ext cx="5486400" cy="4114800"/>
+            <a:off x="701040" y="4415790"/>
+            <a:ext cx="5608320" cy="4183380"/>
           </a:xfrm>
           <a:prstGeom prst="rect">
             <a:avLst/>
           </a:prstGeom>
         </p:spPr>
         <p:txBody>
-          <a:bodyPr spcFirstLastPara="1" wrap="square" lIns="91425" tIns="91425" rIns="91425" bIns="91425" anchor="t" anchorCtr="0">
+          <a:bodyPr spcFirstLastPara="1" wrap="square" lIns="93162" tIns="93162" rIns="93162" bIns="93162" anchor="t" anchorCtr="0">
             <a:noAutofit/>
           </a:bodyPr>
           <a:lstStyle/>
           <a:p>
-            <a:pPr marL="0" lvl="0" indent="0" algn="l" rtl="0">
-              <a:spcBef>
-                <a:spcPts val="0"/>
-              </a:spcBef>
-              <a:spcAft>
-                <a:spcPts val="0"/>
-              </a:spcAft>
+            <a:pPr marL="0" indent="0">
               <a:buNone/>
             </a:pPr>
             <a:endParaRPr/>
@@ -963,8 +951,8 @@
         </p:nvSpPr>
         <p:spPr>
           <a:xfrm>
-            <a:off x="381000" y="685800"/>
-            <a:ext cx="6096000" cy="3429000"/>
+            <a:off x="406400" y="696913"/>
+            <a:ext cx="6197600" cy="3486150"/>
           </a:xfrm>
           <a:custGeom>
             <a:avLst/>
@@ -1004,26 +992,20 @@
         </p:nvSpPr>
         <p:spPr>
           <a:xfrm>
-            <a:off x="685800" y="4343400"/>
-            <a:ext cx="5486400" cy="4114800"/>
+            <a:off x="701040" y="4415790"/>
+            <a:ext cx="5608320" cy="4183380"/>
           </a:xfrm>
           <a:prstGeom prst="rect">
             <a:avLst/>
           </a:prstGeom>
         </p:spPr>
         <p:txBody>
-          <a:bodyPr spcFirstLastPara="1" wrap="square" lIns="91425" tIns="91425" rIns="91425" bIns="91425" anchor="t" anchorCtr="0">
+          <a:bodyPr spcFirstLastPara="1" wrap="square" lIns="93162" tIns="93162" rIns="93162" bIns="93162" anchor="t" anchorCtr="0">
             <a:noAutofit/>
           </a:bodyPr>
           <a:lstStyle/>
           <a:p>
-            <a:pPr marL="0" lvl="0" indent="0" algn="l" rtl="0">
-              <a:spcBef>
-                <a:spcPts val="0"/>
-              </a:spcBef>
-              <a:spcAft>
-                <a:spcPts val="0"/>
-              </a:spcAft>
+            <a:pPr marL="0" indent="0">
               <a:buNone/>
             </a:pPr>
             <a:endParaRPr/>
@@ -1067,8 +1049,8 @@
         </p:nvSpPr>
         <p:spPr>
           <a:xfrm>
-            <a:off x="381000" y="685800"/>
-            <a:ext cx="6096000" cy="3429000"/>
+            <a:off x="406400" y="696913"/>
+            <a:ext cx="6197600" cy="3486150"/>
           </a:xfrm>
           <a:custGeom>
             <a:avLst/>
@@ -1108,26 +1090,20 @@
         </p:nvSpPr>
         <p:spPr>
           <a:xfrm>
-            <a:off x="685800" y="4343400"/>
-            <a:ext cx="5486400" cy="4114800"/>
+            <a:off x="701040" y="4415790"/>
+            <a:ext cx="5608320" cy="4183380"/>
           </a:xfrm>
           <a:prstGeom prst="rect">
             <a:avLst/>
           </a:prstGeom>
         </p:spPr>
         <p:txBody>
-          <a:bodyPr spcFirstLastPara="1" wrap="square" lIns="91425" tIns="91425" rIns="91425" bIns="91425" anchor="t" anchorCtr="0">
+          <a:bodyPr spcFirstLastPara="1" wrap="square" lIns="93162" tIns="93162" rIns="93162" bIns="93162" anchor="t" anchorCtr="0">
             <a:noAutofit/>
           </a:bodyPr>
           <a:lstStyle/>
           <a:p>
-            <a:pPr marL="0" lvl="0" indent="0" algn="l" rtl="0">
-              <a:spcBef>
-                <a:spcPts val="0"/>
-              </a:spcBef>
-              <a:spcAft>
-                <a:spcPts val="0"/>
-              </a:spcAft>
+            <a:pPr marL="0" indent="0">
               <a:buNone/>
             </a:pPr>
             <a:endParaRPr/>
@@ -1171,8 +1147,8 @@
         </p:nvSpPr>
         <p:spPr>
           <a:xfrm>
-            <a:off x="381000" y="685800"/>
-            <a:ext cx="6096000" cy="3429000"/>
+            <a:off x="406400" y="696913"/>
+            <a:ext cx="6197600" cy="3486150"/>
           </a:xfrm>
           <a:custGeom>
             <a:avLst/>
@@ -1212,26 +1188,20 @@
         </p:nvSpPr>
         <p:spPr>
           <a:xfrm>
-            <a:off x="685800" y="4343400"/>
-            <a:ext cx="5486400" cy="4114800"/>
+            <a:off x="701040" y="4415790"/>
+            <a:ext cx="5608320" cy="4183380"/>
           </a:xfrm>
           <a:prstGeom prst="rect">
             <a:avLst/>
           </a:prstGeom>
         </p:spPr>
         <p:txBody>
-          <a:bodyPr spcFirstLastPara="1" wrap="square" lIns="91425" tIns="91425" rIns="91425" bIns="91425" anchor="t" anchorCtr="0">
+          <a:bodyPr spcFirstLastPara="1" wrap="square" lIns="93162" tIns="93162" rIns="93162" bIns="93162" anchor="t" anchorCtr="0">
             <a:noAutofit/>
           </a:bodyPr>
           <a:lstStyle/>
           <a:p>
-            <a:pPr marL="0" lvl="0" indent="0" algn="l" rtl="0">
-              <a:spcBef>
-                <a:spcPts val="0"/>
-              </a:spcBef>
-              <a:spcAft>
-                <a:spcPts val="0"/>
-              </a:spcAft>
+            <a:pPr marL="0" indent="0">
               <a:buNone/>
             </a:pPr>
             <a:endParaRPr/>
@@ -1275,8 +1245,8 @@
         </p:nvSpPr>
         <p:spPr>
           <a:xfrm>
-            <a:off x="381000" y="685800"/>
-            <a:ext cx="6096000" cy="3429000"/>
+            <a:off x="406400" y="696913"/>
+            <a:ext cx="6197600" cy="3486150"/>
           </a:xfrm>
           <a:custGeom>
             <a:avLst/>
@@ -1316,130 +1286,20 @@
         </p:nvSpPr>
         <p:spPr>
           <a:xfrm>
-            <a:off x="685800" y="4343400"/>
-            <a:ext cx="5486400" cy="4114800"/>
+            <a:off x="701040" y="4415790"/>
+            <a:ext cx="5608320" cy="4183380"/>
           </a:xfrm>
           <a:prstGeom prst="rect">
             <a:avLst/>
           </a:prstGeom>
         </p:spPr>
         <p:txBody>
-          <a:bodyPr spcFirstLastPara="1" wrap="square" lIns="91425" tIns="91425" rIns="91425" bIns="91425" anchor="t" anchorCtr="0">
+          <a:bodyPr spcFirstLastPara="1" wrap="square" lIns="93162" tIns="93162" rIns="93162" bIns="93162" anchor="t" anchorCtr="0">
             <a:noAutofit/>
           </a:bodyPr>
           <a:lstStyle/>
           <a:p>
-            <a:pPr marL="0" lvl="0" indent="0" algn="l" rtl="0">
-              <a:spcBef>
-                <a:spcPts val="0"/>
-              </a:spcBef>
-              <a:spcAft>
-                <a:spcPts val="0"/>
-              </a:spcAft>
-              <a:buNone/>
-            </a:pPr>
-            <a:endParaRPr/>
-          </a:p>
-        </p:txBody>
-      </p:sp>
-    </p:spTree>
-  </p:cSld>
-  <p:clrMapOvr>
-    <a:masterClrMapping/>
-  </p:clrMapOvr>
-</p:notes>
-</file>
-
-<file path=ppt/notesSlides/notesSlide7.xml><?xml version="1.0" encoding="utf-8"?>
-<p:notes xmlns:a="http://schemas.openxmlformats.org/drawingml/2006/main" xmlns:r="http://schemas.openxmlformats.org/officeDocument/2006/relationships" xmlns:p="http://schemas.openxmlformats.org/presentationml/2006/main" showMasterSp="0" showMasterPhAnim="0">
-  <p:cSld>
-    <p:spTree>
-      <p:nvGrpSpPr>
-        <p:cNvPr id="1" name="Shape 145"/>
-        <p:cNvGrpSpPr/>
-        <p:nvPr/>
-      </p:nvGrpSpPr>
-      <p:grpSpPr>
-        <a:xfrm>
-          <a:off x="0" y="0"/>
-          <a:ext cx="0" cy="0"/>
-          <a:chOff x="0" y="0"/>
-          <a:chExt cx="0" cy="0"/>
-        </a:xfrm>
-      </p:grpSpPr>
-      <p:sp>
-        <p:nvSpPr>
-          <p:cNvPr id="146" name="Google Shape;146;g35f391192_065:notes"/>
-          <p:cNvSpPr>
-            <a:spLocks noGrp="1" noRot="1" noChangeAspect="1"/>
-          </p:cNvSpPr>
-          <p:nvPr>
-            <p:ph type="sldImg" idx="2"/>
-          </p:nvPr>
-        </p:nvSpPr>
-        <p:spPr>
-          <a:xfrm>
-            <a:off x="381000" y="685800"/>
-            <a:ext cx="6096000" cy="3429000"/>
-          </a:xfrm>
-          <a:custGeom>
-            <a:avLst/>
-            <a:gdLst/>
-            <a:ahLst/>
-            <a:cxnLst/>
-            <a:rect l="l" t="t" r="r" b="b"/>
-            <a:pathLst>
-              <a:path w="120000" h="120000" extrusionOk="0">
-                <a:moveTo>
-                  <a:pt x="0" y="0"/>
-                </a:moveTo>
-                <a:lnTo>
-                  <a:pt x="120000" y="0"/>
-                </a:lnTo>
-                <a:lnTo>
-                  <a:pt x="120000" y="120000"/>
-                </a:lnTo>
-                <a:lnTo>
-                  <a:pt x="0" y="120000"/>
-                </a:lnTo>
-                <a:close/>
-              </a:path>
-            </a:pathLst>
-          </a:custGeom>
-        </p:spPr>
-      </p:sp>
-      <p:sp>
-        <p:nvSpPr>
-          <p:cNvPr id="147" name="Google Shape;147;g35f391192_065:notes"/>
-          <p:cNvSpPr txBox="1">
-            <a:spLocks noGrp="1"/>
-          </p:cNvSpPr>
-          <p:nvPr>
-            <p:ph type="body" idx="1"/>
-          </p:nvPr>
-        </p:nvSpPr>
-        <p:spPr>
-          <a:xfrm>
-            <a:off x="685800" y="4343400"/>
-            <a:ext cx="5486400" cy="4114800"/>
-          </a:xfrm>
-          <a:prstGeom prst="rect">
-            <a:avLst/>
-          </a:prstGeom>
-        </p:spPr>
-        <p:txBody>
-          <a:bodyPr spcFirstLastPara="1" wrap="square" lIns="91425" tIns="91425" rIns="91425" bIns="91425" anchor="t" anchorCtr="0">
-            <a:noAutofit/>
-          </a:bodyPr>
-          <a:lstStyle/>
-          <a:p>
-            <a:pPr marL="0" lvl="0" indent="0" algn="l" rtl="0">
-              <a:spcBef>
-                <a:spcPts val="0"/>
-              </a:spcBef>
-              <a:spcAft>
-                <a:spcPts val="0"/>
-              </a:spcAft>
+            <a:pPr marL="0" indent="0">
               <a:buNone/>
             </a:pPr>
             <a:endParaRPr/>
@@ -7346,7 +7206,7 @@
             </a:pPr>
             <a:r>
               <a:rPr lang="en-US" sz="1400" dirty="0"/>
-              <a:t>We decided to use and operational data store (ODS) model to combine data from multiple databases.</a:t>
+              <a:t>We decided to use an operational data store (ODS) model to combine data from multiple databases.</a:t>
             </a:r>
           </a:p>
         </p:txBody>
@@ -8559,10 +8419,9 @@
           <a:p>
             <a:pPr lvl="2"/>
             <a:r>
-              <a:rPr lang="en-US" sz="1400"/>
+              <a:rPr lang="en-US" sz="1400" dirty="0"/>
               <a:t>Diminishing energy source?</a:t>
             </a:r>
-            <a:endParaRPr lang="en-US" sz="1400" dirty="0"/>
           </a:p>
         </p:txBody>
       </p:sp>
@@ -8577,22 +8436,9 @@
 <file path=ppt/slides/slide7.xml><?xml version="1.0" encoding="utf-8"?>
 <p:sld xmlns:a="http://schemas.openxmlformats.org/drawingml/2006/main" xmlns:r="http://schemas.openxmlformats.org/officeDocument/2006/relationships" xmlns:p="http://schemas.openxmlformats.org/presentationml/2006/main">
   <p:cSld>
-    <p:bg>
-      <p:bgPr>
-        <a:blipFill>
-          <a:blip r:embed="rId3">
-            <a:alphaModFix/>
-          </a:blip>
-          <a:stretch>
-            <a:fillRect/>
-          </a:stretch>
-        </a:blipFill>
-        <a:effectLst/>
-      </p:bgPr>
-    </p:bg>
     <p:spTree>
       <p:nvGrpSpPr>
-        <p:cNvPr id="1" name="Shape 148"/>
+        <p:cNvPr id="1" name=""/>
         <p:cNvGrpSpPr/>
         <p:nvPr/>
       </p:nvGrpSpPr>
@@ -8606,97 +8452,373 @@
       </p:grpSpPr>
       <p:sp>
         <p:nvSpPr>
-          <p:cNvPr id="149" name="Google Shape;149;p24"/>
-          <p:cNvSpPr txBox="1">
-            <a:spLocks noGrp="1"/>
-          </p:cNvSpPr>
-          <p:nvPr>
-            <p:ph type="title" idx="4294967295"/>
-          </p:nvPr>
-        </p:nvSpPr>
-        <p:spPr>
-          <a:xfrm>
-            <a:off x="657225" y="644150"/>
-            <a:ext cx="6024600" cy="1380000"/>
-          </a:xfrm>
-          <a:prstGeom prst="rect">
-            <a:avLst/>
-          </a:prstGeom>
-        </p:spPr>
-        <p:txBody>
-          <a:bodyPr spcFirstLastPara="1" wrap="square" lIns="0" tIns="0" rIns="0" bIns="0" anchor="t" anchorCtr="0">
-            <a:noAutofit/>
-          </a:bodyPr>
-          <a:lstStyle/>
-          <a:p>
-            <a:pPr marL="0" lvl="0" indent="0" algn="l" rtl="0">
-              <a:spcBef>
-                <a:spcPts val="0"/>
-              </a:spcBef>
-              <a:spcAft>
-                <a:spcPts val="0"/>
-              </a:spcAft>
-              <a:buNone/>
-            </a:pPr>
-            <a:r>
-              <a:rPr lang="en-US" sz="5400" b="0" dirty="0">
-                <a:solidFill>
-                  <a:srgbClr val="FFFFFF"/>
-                </a:solidFill>
-              </a:rPr>
-              <a:t>Thanks!</a:t>
-            </a:r>
-            <a:endParaRPr sz="13800" dirty="0">
-              <a:solidFill>
-                <a:srgbClr val="FFFFFF"/>
-              </a:solidFill>
-            </a:endParaRPr>
-          </a:p>
-        </p:txBody>
-      </p:sp>
-      <p:sp>
-        <p:nvSpPr>
-          <p:cNvPr id="150" name="Google Shape;150;p24"/>
-          <p:cNvSpPr txBox="1">
+          <p:cNvPr id="2" name="Slide Number Placeholder 1">
+            <a:extLst>
+              <a:ext uri="{FF2B5EF4-FFF2-40B4-BE49-F238E27FC236}">
+                <a16:creationId xmlns:a16="http://schemas.microsoft.com/office/drawing/2014/main" id="{135E8957-D0C7-4825-9D62-B7DD182B19C0}"/>
+              </a:ext>
+            </a:extLst>
+          </p:cNvPr>
+          <p:cNvSpPr>
             <a:spLocks noGrp="1"/>
           </p:cNvSpPr>
           <p:nvPr>
             <p:ph type="sldNum" idx="12"/>
           </p:nvPr>
         </p:nvSpPr>
+        <p:spPr/>
+        <p:txBody>
+          <a:bodyPr/>
+          <a:lstStyle/>
+          <a:p>
+            <a:pPr marL="0" lvl="0" indent="0" algn="r" rtl="0">
+              <a:spcBef>
+                <a:spcPts val="0"/>
+              </a:spcBef>
+              <a:spcAft>
+                <a:spcPts val="0"/>
+              </a:spcAft>
+              <a:buNone/>
+            </a:pPr>
+            <a:fld id="{00000000-1234-1234-1234-123412341234}" type="slidenum">
+              <a:rPr lang="en" smtClean="0"/>
+              <a:t>7</a:t>
+            </a:fld>
+            <a:endParaRPr lang="en"/>
+          </a:p>
+        </p:txBody>
+      </p:sp>
+      <p:pic>
+        <p:nvPicPr>
+          <p:cNvPr id="4" name="Picture 3" descr="A picture containing clock&#10;&#10;Description automatically generated">
+            <a:extLst>
+              <a:ext uri="{FF2B5EF4-FFF2-40B4-BE49-F238E27FC236}">
+                <a16:creationId xmlns:a16="http://schemas.microsoft.com/office/drawing/2014/main" id="{5AFFED79-3CFC-4BD4-A7F4-0390E3EC4523}"/>
+              </a:ext>
+            </a:extLst>
+          </p:cNvPr>
+          <p:cNvPicPr>
+            <a:picLocks noChangeAspect="1"/>
+          </p:cNvPicPr>
+          <p:nvPr/>
+        </p:nvPicPr>
+        <p:blipFill>
+          <a:blip r:embed="rId2"/>
+          <a:stretch>
+            <a:fillRect/>
+          </a:stretch>
+        </p:blipFill>
         <p:spPr>
           <a:xfrm>
-            <a:off x="8480584" y="4749851"/>
-            <a:ext cx="548700" cy="393600"/>
+            <a:off x="714375" y="-181841"/>
+            <a:ext cx="7977620" cy="5500253"/>
           </a:xfrm>
           <a:prstGeom prst="rect">
             <a:avLst/>
           </a:prstGeom>
         </p:spPr>
+      </p:pic>
+      <p:sp>
+        <p:nvSpPr>
+          <p:cNvPr id="5" name="Google Shape;149;p24">
+            <a:extLst>
+              <a:ext uri="{FF2B5EF4-FFF2-40B4-BE49-F238E27FC236}">
+                <a16:creationId xmlns:a16="http://schemas.microsoft.com/office/drawing/2014/main" id="{919F9D39-68EF-45D4-B72B-93E7F3F142D7}"/>
+              </a:ext>
+            </a:extLst>
+          </p:cNvPr>
+          <p:cNvSpPr txBox="1">
+            <a:spLocks/>
+          </p:cNvSpPr>
+          <p:nvPr/>
+        </p:nvSpPr>
+        <p:spPr>
+          <a:xfrm>
+            <a:off x="88323" y="41477"/>
+            <a:ext cx="6024600" cy="1380000"/>
+          </a:xfrm>
+          <a:prstGeom prst="rect">
+            <a:avLst/>
+          </a:prstGeom>
+          <a:noFill/>
+          <a:ln>
+            <a:noFill/>
+          </a:ln>
+        </p:spPr>
         <p:txBody>
-          <a:bodyPr spcFirstLastPara="1" wrap="square" lIns="0" tIns="0" rIns="0" bIns="0" anchor="ctr" anchorCtr="0">
+          <a:bodyPr spcFirstLastPara="1" wrap="square" lIns="0" tIns="0" rIns="0" bIns="0" anchor="t" anchorCtr="0">
             <a:noAutofit/>
           </a:bodyPr>
-          <a:lstStyle/>
+          <a:lstStyle>
+            <a:defPPr marR="0" lvl="0" algn="l" rtl="0">
+              <a:lnSpc>
+                <a:spcPct val="100000"/>
+              </a:lnSpc>
+              <a:spcBef>
+                <a:spcPts val="0"/>
+              </a:spcBef>
+              <a:spcAft>
+                <a:spcPts val="0"/>
+              </a:spcAft>
+            </a:defPPr>
+            <a:lvl1pPr marR="0" lvl="0" algn="l" rtl="0">
+              <a:lnSpc>
+                <a:spcPct val="100000"/>
+              </a:lnSpc>
+              <a:spcBef>
+                <a:spcPts val="0"/>
+              </a:spcBef>
+              <a:spcAft>
+                <a:spcPts val="0"/>
+              </a:spcAft>
+              <a:buClr>
+                <a:schemeClr val="dk2"/>
+              </a:buClr>
+              <a:buSzPts val="4800"/>
+              <a:buFont typeface="Poppins"/>
+              <a:buNone/>
+              <a:defRPr sz="4800" b="1" i="0" u="none" strike="noStrike" cap="none">
+                <a:solidFill>
+                  <a:schemeClr val="dk2"/>
+                </a:solidFill>
+                <a:latin typeface="Poppins"/>
+                <a:ea typeface="Poppins"/>
+                <a:cs typeface="Poppins"/>
+                <a:sym typeface="Poppins"/>
+              </a:defRPr>
+            </a:lvl1pPr>
+            <a:lvl2pPr marR="0" lvl="1" algn="l" rtl="0">
+              <a:lnSpc>
+                <a:spcPct val="100000"/>
+              </a:lnSpc>
+              <a:spcBef>
+                <a:spcPts val="0"/>
+              </a:spcBef>
+              <a:spcAft>
+                <a:spcPts val="0"/>
+              </a:spcAft>
+              <a:buClr>
+                <a:schemeClr val="dk2"/>
+              </a:buClr>
+              <a:buSzPts val="4800"/>
+              <a:buFont typeface="Poppins"/>
+              <a:buNone/>
+              <a:defRPr sz="4800" b="1" i="0" u="none" strike="noStrike" cap="none">
+                <a:solidFill>
+                  <a:schemeClr val="dk2"/>
+                </a:solidFill>
+                <a:latin typeface="Poppins"/>
+                <a:ea typeface="Poppins"/>
+                <a:cs typeface="Poppins"/>
+                <a:sym typeface="Poppins"/>
+              </a:defRPr>
+            </a:lvl2pPr>
+            <a:lvl3pPr marR="0" lvl="2" algn="l" rtl="0">
+              <a:lnSpc>
+                <a:spcPct val="100000"/>
+              </a:lnSpc>
+              <a:spcBef>
+                <a:spcPts val="0"/>
+              </a:spcBef>
+              <a:spcAft>
+                <a:spcPts val="0"/>
+              </a:spcAft>
+              <a:buClr>
+                <a:schemeClr val="dk2"/>
+              </a:buClr>
+              <a:buSzPts val="4800"/>
+              <a:buFont typeface="Poppins"/>
+              <a:buNone/>
+              <a:defRPr sz="4800" b="1" i="0" u="none" strike="noStrike" cap="none">
+                <a:solidFill>
+                  <a:schemeClr val="dk2"/>
+                </a:solidFill>
+                <a:latin typeface="Poppins"/>
+                <a:ea typeface="Poppins"/>
+                <a:cs typeface="Poppins"/>
+                <a:sym typeface="Poppins"/>
+              </a:defRPr>
+            </a:lvl3pPr>
+            <a:lvl4pPr marR="0" lvl="3" algn="l" rtl="0">
+              <a:lnSpc>
+                <a:spcPct val="100000"/>
+              </a:lnSpc>
+              <a:spcBef>
+                <a:spcPts val="0"/>
+              </a:spcBef>
+              <a:spcAft>
+                <a:spcPts val="0"/>
+              </a:spcAft>
+              <a:buClr>
+                <a:schemeClr val="dk2"/>
+              </a:buClr>
+              <a:buSzPts val="4800"/>
+              <a:buFont typeface="Poppins"/>
+              <a:buNone/>
+              <a:defRPr sz="4800" b="1" i="0" u="none" strike="noStrike" cap="none">
+                <a:solidFill>
+                  <a:schemeClr val="dk2"/>
+                </a:solidFill>
+                <a:latin typeface="Poppins"/>
+                <a:ea typeface="Poppins"/>
+                <a:cs typeface="Poppins"/>
+                <a:sym typeface="Poppins"/>
+              </a:defRPr>
+            </a:lvl4pPr>
+            <a:lvl5pPr marR="0" lvl="4" algn="l" rtl="0">
+              <a:lnSpc>
+                <a:spcPct val="100000"/>
+              </a:lnSpc>
+              <a:spcBef>
+                <a:spcPts val="0"/>
+              </a:spcBef>
+              <a:spcAft>
+                <a:spcPts val="0"/>
+              </a:spcAft>
+              <a:buClr>
+                <a:schemeClr val="dk2"/>
+              </a:buClr>
+              <a:buSzPts val="4800"/>
+              <a:buFont typeface="Poppins"/>
+              <a:buNone/>
+              <a:defRPr sz="4800" b="1" i="0" u="none" strike="noStrike" cap="none">
+                <a:solidFill>
+                  <a:schemeClr val="dk2"/>
+                </a:solidFill>
+                <a:latin typeface="Poppins"/>
+                <a:ea typeface="Poppins"/>
+                <a:cs typeface="Poppins"/>
+                <a:sym typeface="Poppins"/>
+              </a:defRPr>
+            </a:lvl5pPr>
+            <a:lvl6pPr marR="0" lvl="5" algn="l" rtl="0">
+              <a:lnSpc>
+                <a:spcPct val="100000"/>
+              </a:lnSpc>
+              <a:spcBef>
+                <a:spcPts val="0"/>
+              </a:spcBef>
+              <a:spcAft>
+                <a:spcPts val="0"/>
+              </a:spcAft>
+              <a:buClr>
+                <a:schemeClr val="dk2"/>
+              </a:buClr>
+              <a:buSzPts val="4800"/>
+              <a:buFont typeface="Poppins"/>
+              <a:buNone/>
+              <a:defRPr sz="4800" b="1" i="0" u="none" strike="noStrike" cap="none">
+                <a:solidFill>
+                  <a:schemeClr val="dk2"/>
+                </a:solidFill>
+                <a:latin typeface="Poppins"/>
+                <a:ea typeface="Poppins"/>
+                <a:cs typeface="Poppins"/>
+                <a:sym typeface="Poppins"/>
+              </a:defRPr>
+            </a:lvl6pPr>
+            <a:lvl7pPr marR="0" lvl="6" algn="l" rtl="0">
+              <a:lnSpc>
+                <a:spcPct val="100000"/>
+              </a:lnSpc>
+              <a:spcBef>
+                <a:spcPts val="0"/>
+              </a:spcBef>
+              <a:spcAft>
+                <a:spcPts val="0"/>
+              </a:spcAft>
+              <a:buClr>
+                <a:schemeClr val="dk2"/>
+              </a:buClr>
+              <a:buSzPts val="4800"/>
+              <a:buFont typeface="Poppins"/>
+              <a:buNone/>
+              <a:defRPr sz="4800" b="1" i="0" u="none" strike="noStrike" cap="none">
+                <a:solidFill>
+                  <a:schemeClr val="dk2"/>
+                </a:solidFill>
+                <a:latin typeface="Poppins"/>
+                <a:ea typeface="Poppins"/>
+                <a:cs typeface="Poppins"/>
+                <a:sym typeface="Poppins"/>
+              </a:defRPr>
+            </a:lvl7pPr>
+            <a:lvl8pPr marR="0" lvl="7" algn="l" rtl="0">
+              <a:lnSpc>
+                <a:spcPct val="100000"/>
+              </a:lnSpc>
+              <a:spcBef>
+                <a:spcPts val="0"/>
+              </a:spcBef>
+              <a:spcAft>
+                <a:spcPts val="0"/>
+              </a:spcAft>
+              <a:buClr>
+                <a:schemeClr val="dk2"/>
+              </a:buClr>
+              <a:buSzPts val="4800"/>
+              <a:buFont typeface="Poppins"/>
+              <a:buNone/>
+              <a:defRPr sz="4800" b="1" i="0" u="none" strike="noStrike" cap="none">
+                <a:solidFill>
+                  <a:schemeClr val="dk2"/>
+                </a:solidFill>
+                <a:latin typeface="Poppins"/>
+                <a:ea typeface="Poppins"/>
+                <a:cs typeface="Poppins"/>
+                <a:sym typeface="Poppins"/>
+              </a:defRPr>
+            </a:lvl8pPr>
+            <a:lvl9pPr marR="0" lvl="8" algn="l" rtl="0">
+              <a:lnSpc>
+                <a:spcPct val="100000"/>
+              </a:lnSpc>
+              <a:spcBef>
+                <a:spcPts val="0"/>
+              </a:spcBef>
+              <a:spcAft>
+                <a:spcPts val="0"/>
+              </a:spcAft>
+              <a:buClr>
+                <a:schemeClr val="dk2"/>
+              </a:buClr>
+              <a:buSzPts val="4800"/>
+              <a:buFont typeface="Poppins"/>
+              <a:buNone/>
+              <a:defRPr sz="4800" b="1" i="0" u="none" strike="noStrike" cap="none">
+                <a:solidFill>
+                  <a:schemeClr val="dk2"/>
+                </a:solidFill>
+                <a:latin typeface="Poppins"/>
+                <a:ea typeface="Poppins"/>
+                <a:cs typeface="Poppins"/>
+                <a:sym typeface="Poppins"/>
+              </a:defRPr>
+            </a:lvl9pPr>
+          </a:lstStyle>
           <a:p>
-            <a:pPr marL="0" lvl="0" indent="0" algn="r" rtl="0">
-              <a:spcBef>
-                <a:spcPts val="0"/>
-              </a:spcBef>
-              <a:spcAft>
-                <a:spcPts val="0"/>
-              </a:spcAft>
-              <a:buNone/>
-            </a:pPr>
-            <a:fld id="{00000000-1234-1234-1234-123412341234}" type="slidenum">
-              <a:rPr lang="en"/>
-              <a:t>7</a:t>
-            </a:fld>
-            <a:endParaRPr/>
+            <a:r>
+              <a:rPr lang="en-US" b="0" dirty="0">
+                <a:solidFill>
+                  <a:schemeClr val="bg2"/>
+                </a:solidFill>
+              </a:rPr>
+              <a:t>Thanks!</a:t>
+            </a:r>
+            <a:endParaRPr lang="en-US" dirty="0">
+              <a:solidFill>
+                <a:schemeClr val="bg2"/>
+              </a:solidFill>
+            </a:endParaRPr>
           </a:p>
         </p:txBody>
       </p:sp>
     </p:spTree>
+    <p:extLst>
+      <p:ext uri="{BB962C8B-B14F-4D97-AF65-F5344CB8AC3E}">
+        <p14:creationId xmlns:p14="http://schemas.microsoft.com/office/powerpoint/2010/main" val="1560832191"/>
+      </p:ext>
+    </p:extLst>
   </p:cSld>
   <p:clrMapOvr>
     <a:masterClrMapping/>

--- a/ppt/theBigGreen_draft.pptx
+++ b/ppt/theBigGreen_draft.pptx
@@ -8490,32 +8490,49 @@
       </p:sp>
       <p:pic>
         <p:nvPicPr>
-          <p:cNvPr id="4" name="Picture 3" descr="A picture containing clock&#10;&#10;Description automatically generated">
+          <p:cNvPr id="1026" name="Picture 2" descr="Image result for nonrenewable energy sources">
             <a:extLst>
               <a:ext uri="{FF2B5EF4-FFF2-40B4-BE49-F238E27FC236}">
-                <a16:creationId xmlns:a16="http://schemas.microsoft.com/office/drawing/2014/main" id="{5AFFED79-3CFC-4BD4-A7F4-0390E3EC4523}"/>
+                <a16:creationId xmlns:a16="http://schemas.microsoft.com/office/drawing/2014/main" id="{3AAF049B-F5E6-42C8-A50B-1E2477692CF9}"/>
               </a:ext>
             </a:extLst>
           </p:cNvPr>
           <p:cNvPicPr>
-            <a:picLocks noChangeAspect="1"/>
+            <a:picLocks noChangeAspect="1" noChangeArrowheads="1"/>
           </p:cNvPicPr>
           <p:nvPr/>
         </p:nvPicPr>
         <p:blipFill>
-          <a:blip r:embed="rId2"/>
+          <a:blip r:embed="rId2">
+            <a:extLst>
+              <a:ext uri="{28A0092B-C50C-407E-A947-70E740481C1C}">
+                <a14:useLocalDpi xmlns:a14="http://schemas.microsoft.com/office/drawing/2010/main" val="0"/>
+              </a:ext>
+            </a:extLst>
+          </a:blip>
+          <a:srcRect/>
           <a:stretch>
             <a:fillRect/>
           </a:stretch>
         </p:blipFill>
-        <p:spPr>
+        <p:spPr bwMode="auto">
           <a:xfrm>
-            <a:off x="714375" y="-181841"/>
-            <a:ext cx="7977620" cy="5500253"/>
+            <a:off x="2000250" y="0"/>
+            <a:ext cx="5143500" cy="5143500"/>
           </a:xfrm>
           <a:prstGeom prst="rect">
             <a:avLst/>
           </a:prstGeom>
+          <a:noFill/>
+          <a:extLst>
+            <a:ext uri="{909E8E84-426E-40DD-AFC4-6F175D3DCCD1}">
+              <a14:hiddenFill xmlns:a14="http://schemas.microsoft.com/office/drawing/2010/main">
+                <a:solidFill>
+                  <a:srgbClr val="FFFFFF"/>
+                </a:solidFill>
+              </a14:hiddenFill>
+            </a:ext>
+          </a:extLst>
         </p:spPr>
       </p:pic>
       <p:sp>

--- a/ppt/theBigGreen_draft.pptx
+++ b/ppt/theBigGreen_draft.pptx
@@ -7252,8 +7252,8 @@
         </p:nvSpPr>
         <p:spPr>
           <a:xfrm>
-            <a:off x="3575275" y="658023"/>
-            <a:ext cx="5108760" cy="3977228"/>
+            <a:off x="3643423" y="658023"/>
+            <a:ext cx="3657600" cy="3977228"/>
           </a:xfrm>
           <a:custGeom>
             <a:avLst/>
@@ -7829,10 +7829,10 @@
       </p:sp>
       <p:pic>
         <p:nvPicPr>
-          <p:cNvPr id="2" name="Picture 1">
+          <p:cNvPr id="4" name="Picture 3">
             <a:extLst>
               <a:ext uri="{FF2B5EF4-FFF2-40B4-BE49-F238E27FC236}">
-                <a16:creationId xmlns:a16="http://schemas.microsoft.com/office/drawing/2014/main" id="{4A07EC2F-E1F5-445D-8C45-154CEA81CE85}"/>
+                <a16:creationId xmlns:a16="http://schemas.microsoft.com/office/drawing/2014/main" id="{B2BB455B-F1FC-47B8-A229-AACBAA6E0E0E}"/>
               </a:ext>
             </a:extLst>
           </p:cNvPr>
@@ -7849,8 +7849,8 @@
         </p:blipFill>
         <p:spPr>
           <a:xfrm>
-            <a:off x="3784798" y="869237"/>
-            <a:ext cx="4695786" cy="2989200"/>
+            <a:off x="3789065" y="869237"/>
+            <a:ext cx="3377280" cy="2989200"/>
           </a:xfrm>
           <a:prstGeom prst="rect">
             <a:avLst/>
